--- a/15_Ch25_InterThread.pptx
+++ b/15_Ch25_InterThread.pptx
@@ -17,8 +17,8 @@
     <p:sldId id="265" r:id="rId8"/>
     <p:sldId id="264" r:id="rId9"/>
     <p:sldId id="270" r:id="rId10"/>
-    <p:sldId id="267" r:id="rId11"/>
-    <p:sldId id="271" r:id="rId12"/>
+    <p:sldId id="271" r:id="rId11"/>
+    <p:sldId id="267" r:id="rId12"/>
     <p:sldId id="268" r:id="rId13"/>
     <p:sldId id="269" r:id="rId14"/>
     <p:sldId id="266" r:id="rId15"/>
@@ -3690,7 +3690,7 @@
         <p:spPr>
           <a:xfrm>
             <a:off x="467544" y="1268760"/>
-            <a:ext cx="7920880" cy="4320480"/>
+            <a:ext cx="8424936" cy="3168352"/>
           </a:xfrm>
           <a:ln>
             <a:solidFill>
@@ -3713,30 +3713,197 @@
               <a:buChar char="u"/>
             </a:pPr>
             <a:r>
-              <a:rPr lang="en-US" altLang="en-US" sz="1600" dirty="0">
+              <a:rPr lang="en-US" altLang="zh-TW" sz="1600" dirty="0">
                 <a:solidFill>
                   <a:schemeClr val="tx1"/>
                 </a:solidFill>
-                <a:latin typeface="Lucida Console" panose="020B0609040504020204" pitchFamily="49" charset="0"/>
-              </a:rPr>
-              <a:t>Class Producer</a:t>
-            </a:r>
-          </a:p>
-          <a:p>
-            <a:pPr algn="l">
-              <a:buClr>
-                <a:srgbClr val="0070C0"/>
-              </a:buClr>
-              <a:buSzPct val="80000"/>
-            </a:pPr>
-            <a:r>
-              <a:rPr lang="en-US" altLang="en-US" sz="1600" dirty="0">
-                <a:solidFill>
-                  <a:srgbClr val="CC7832"/>
-                </a:solidFill>
-                <a:latin typeface="Lucida Console" panose="020B0609040504020204" pitchFamily="49" charset="0"/>
-              </a:rPr>
-              <a:t>class </a:t>
+              </a:rPr>
+              <a:t>Class Q (3): Synchronized get</a:t>
+            </a:r>
+            <a:br>
+              <a:rPr lang="en-US" altLang="en-US" sz="1600" dirty="0">
+                <a:solidFill>
+                  <a:srgbClr val="CC7832"/>
+                </a:solidFill>
+                <a:latin typeface="Lucida Console" panose="020B0609040504020204" pitchFamily="49" charset="0"/>
+              </a:rPr>
+            </a:br>
+            <a:r>
+              <a:rPr lang="en-US" altLang="en-US" sz="1600" dirty="0">
+                <a:solidFill>
+                  <a:srgbClr val="CC7832"/>
+                </a:solidFill>
+                <a:latin typeface="Lucida Console" panose="020B0609040504020204" pitchFamily="49" charset="0"/>
+              </a:rPr>
+              <a:t>public synchronized void </a:t>
+            </a:r>
+            <a:r>
+              <a:rPr lang="en-US" altLang="en-US" sz="1600" dirty="0">
+                <a:solidFill>
+                  <a:srgbClr val="FFC66D"/>
+                </a:solidFill>
+                <a:latin typeface="Lucida Console" panose="020B0609040504020204" pitchFamily="49" charset="0"/>
+              </a:rPr>
+              <a:t>get </a:t>
+            </a:r>
+            <a:r>
+              <a:rPr lang="en-US" altLang="en-US" sz="1600" dirty="0">
+                <a:solidFill>
+                  <a:srgbClr val="19A7D6"/>
+                </a:solidFill>
+                <a:latin typeface="Lucida Console" panose="020B0609040504020204" pitchFamily="49" charset="0"/>
+              </a:rPr>
+              <a:t>() {</a:t>
+            </a:r>
+            <a:br>
+              <a:rPr lang="en-US" altLang="en-US" sz="1600" dirty="0">
+                <a:solidFill>
+                  <a:srgbClr val="19A7D6"/>
+                </a:solidFill>
+                <a:latin typeface="Lucida Console" panose="020B0609040504020204" pitchFamily="49" charset="0"/>
+              </a:rPr>
+            </a:br>
+            <a:r>
+              <a:rPr lang="en-US" altLang="en-US" sz="1600" dirty="0">
+                <a:solidFill>
+                  <a:srgbClr val="19A7D6"/>
+                </a:solidFill>
+                <a:latin typeface="Lucida Console" panose="020B0609040504020204" pitchFamily="49" charset="0"/>
+              </a:rPr>
+              <a:t>        </a:t>
+            </a:r>
+            <a:r>
+              <a:rPr lang="en-US" altLang="en-US" sz="1600" dirty="0">
+                <a:solidFill>
+                  <a:srgbClr val="808080"/>
+                </a:solidFill>
+                <a:latin typeface="Lucida Console" panose="020B0609040504020204" pitchFamily="49" charset="0"/>
+              </a:rPr>
+              <a:t>// If everything is not set, just wait.</a:t>
+            </a:r>
+            <a:br>
+              <a:rPr lang="en-US" altLang="en-US" sz="1600" dirty="0">
+                <a:solidFill>
+                  <a:srgbClr val="808080"/>
+                </a:solidFill>
+                <a:latin typeface="Lucida Console" panose="020B0609040504020204" pitchFamily="49" charset="0"/>
+              </a:rPr>
+            </a:br>
+            <a:r>
+              <a:rPr lang="en-US" altLang="en-US" sz="1600" dirty="0">
+                <a:solidFill>
+                  <a:srgbClr val="808080"/>
+                </a:solidFill>
+                <a:latin typeface="Lucida Console" panose="020B0609040504020204" pitchFamily="49" charset="0"/>
+              </a:rPr>
+              <a:t>        </a:t>
+            </a:r>
+            <a:r>
+              <a:rPr lang="en-US" altLang="en-US" sz="1600" dirty="0">
+                <a:solidFill>
+                  <a:srgbClr val="CC7832"/>
+                </a:solidFill>
+                <a:latin typeface="Lucida Console" panose="020B0609040504020204" pitchFamily="49" charset="0"/>
+              </a:rPr>
+              <a:t>while </a:t>
+            </a:r>
+            <a:r>
+              <a:rPr lang="en-US" altLang="en-US" sz="1600" dirty="0">
+                <a:solidFill>
+                  <a:srgbClr val="19A7D6"/>
+                </a:solidFill>
+                <a:latin typeface="Lucida Console" panose="020B0609040504020204" pitchFamily="49" charset="0"/>
+              </a:rPr>
+              <a:t>(!</a:t>
+            </a:r>
+            <a:r>
+              <a:rPr lang="en-US" altLang="en-US" sz="1600" dirty="0" err="1">
+                <a:solidFill>
+                  <a:srgbClr val="9876AA"/>
+                </a:solidFill>
+                <a:latin typeface="Lucida Console" panose="020B0609040504020204" pitchFamily="49" charset="0"/>
+              </a:rPr>
+              <a:t>valueSet</a:t>
+            </a:r>
+            <a:r>
+              <a:rPr lang="en-US" altLang="en-US" sz="1600" dirty="0">
+                <a:solidFill>
+                  <a:srgbClr val="19A7D6"/>
+                </a:solidFill>
+                <a:latin typeface="Lucida Console" panose="020B0609040504020204" pitchFamily="49" charset="0"/>
+              </a:rPr>
+              <a:t>) {</a:t>
+            </a:r>
+            <a:br>
+              <a:rPr lang="en-US" altLang="en-US" sz="1600" dirty="0">
+                <a:solidFill>
+                  <a:srgbClr val="19A7D6"/>
+                </a:solidFill>
+                <a:latin typeface="Lucida Console" panose="020B0609040504020204" pitchFamily="49" charset="0"/>
+              </a:rPr>
+            </a:br>
+            <a:r>
+              <a:rPr lang="en-US" altLang="en-US" sz="1600" dirty="0">
+                <a:solidFill>
+                  <a:srgbClr val="19A7D6"/>
+                </a:solidFill>
+                <a:latin typeface="Lucida Console" panose="020B0609040504020204" pitchFamily="49" charset="0"/>
+              </a:rPr>
+              <a:t>            </a:t>
+            </a:r>
+            <a:r>
+              <a:rPr lang="en-US" altLang="en-US" sz="1600" dirty="0">
+                <a:solidFill>
+                  <a:srgbClr val="CC7832"/>
+                </a:solidFill>
+                <a:latin typeface="Lucida Console" panose="020B0609040504020204" pitchFamily="49" charset="0"/>
+              </a:rPr>
+              <a:t>try </a:t>
+            </a:r>
+            <a:r>
+              <a:rPr lang="en-US" altLang="en-US" sz="1600" dirty="0">
+                <a:solidFill>
+                  <a:srgbClr val="19A7D6"/>
+                </a:solidFill>
+                <a:latin typeface="Lucida Console" panose="020B0609040504020204" pitchFamily="49" charset="0"/>
+              </a:rPr>
+              <a:t>{ wait()</a:t>
+            </a:r>
+            <a:r>
+              <a:rPr lang="en-US" altLang="en-US" sz="1600" dirty="0">
+                <a:solidFill>
+                  <a:srgbClr val="CC7832"/>
+                </a:solidFill>
+                <a:latin typeface="Lucida Console" panose="020B0609040504020204" pitchFamily="49" charset="0"/>
+              </a:rPr>
+              <a:t>; </a:t>
+            </a:r>
+            <a:r>
+              <a:rPr lang="en-US" altLang="en-US" sz="1600" dirty="0">
+                <a:solidFill>
+                  <a:srgbClr val="19A7D6"/>
+                </a:solidFill>
+                <a:latin typeface="Lucida Console" panose="020B0609040504020204" pitchFamily="49" charset="0"/>
+              </a:rPr>
+              <a:t>} </a:t>
+            </a:r>
+            <a:r>
+              <a:rPr lang="en-US" altLang="en-US" sz="1600" dirty="0">
+                <a:solidFill>
+                  <a:srgbClr val="CC7832"/>
+                </a:solidFill>
+                <a:latin typeface="Lucida Console" panose="020B0609040504020204" pitchFamily="49" charset="0"/>
+              </a:rPr>
+              <a:t>catch </a:t>
+            </a:r>
+            <a:r>
+              <a:rPr lang="en-US" altLang="en-US" sz="1600" dirty="0">
+                <a:solidFill>
+                  <a:srgbClr val="19A7D6"/>
+                </a:solidFill>
+                <a:latin typeface="Lucida Console" panose="020B0609040504020204" pitchFamily="49" charset="0"/>
+              </a:rPr>
+              <a:t>(</a:t>
             </a:r>
             <a:r>
               <a:rPr lang="en-US" altLang="en-US" sz="1600" dirty="0">
@@ -3745,39 +3912,172 @@
                 </a:solidFill>
                 <a:latin typeface="Lucida Console" panose="020B0609040504020204" pitchFamily="49" charset="0"/>
               </a:rPr>
-              <a:t>Producer </a:t>
-            </a:r>
-            <a:r>
-              <a:rPr lang="en-US" altLang="en-US" sz="1600" dirty="0">
-                <a:solidFill>
-                  <a:srgbClr val="CC7832"/>
-                </a:solidFill>
-                <a:latin typeface="Lucida Console" panose="020B0609040504020204" pitchFamily="49" charset="0"/>
-              </a:rPr>
-              <a:t>implements </a:t>
-            </a:r>
-            <a:r>
-              <a:rPr lang="en-US" altLang="en-US" sz="1600" dirty="0">
+              <a:t>Exception e</a:t>
+            </a:r>
+            <a:r>
+              <a:rPr lang="en-US" altLang="en-US" sz="1600" dirty="0">
+                <a:solidFill>
+                  <a:srgbClr val="19A7D6"/>
+                </a:solidFill>
+                <a:latin typeface="Lucida Console" panose="020B0609040504020204" pitchFamily="49" charset="0"/>
+              </a:rPr>
+              <a:t>) {}</a:t>
+            </a:r>
+            <a:br>
+              <a:rPr lang="en-US" altLang="en-US" sz="1600" dirty="0">
+                <a:solidFill>
+                  <a:srgbClr val="19A7D6"/>
+                </a:solidFill>
+                <a:latin typeface="Lucida Console" panose="020B0609040504020204" pitchFamily="49" charset="0"/>
+              </a:rPr>
+            </a:br>
+            <a:r>
+              <a:rPr lang="en-US" altLang="en-US" sz="1600" dirty="0">
+                <a:solidFill>
+                  <a:srgbClr val="19A7D6"/>
+                </a:solidFill>
+                <a:latin typeface="Lucida Console" panose="020B0609040504020204" pitchFamily="49" charset="0"/>
+              </a:rPr>
+              <a:t>        }</a:t>
+            </a:r>
+            <a:r>
+              <a:rPr lang="en-US" altLang="en-US" sz="1600" dirty="0">
+                <a:solidFill>
+                  <a:srgbClr val="808080"/>
+                </a:solidFill>
+                <a:latin typeface="Lucida Console" panose="020B0609040504020204" pitchFamily="49" charset="0"/>
+              </a:rPr>
+              <a:t>// </a:t>
+            </a:r>
+            <a:r>
+              <a:rPr lang="en-US" altLang="en-US" sz="1600" dirty="0" err="1">
+                <a:solidFill>
+                  <a:srgbClr val="808080"/>
+                </a:solidFill>
+                <a:latin typeface="Lucida Console" panose="020B0609040504020204" pitchFamily="49" charset="0"/>
+              </a:rPr>
+              <a:t>otherwsie</a:t>
+            </a:r>
+            <a:r>
+              <a:rPr lang="en-US" altLang="en-US" sz="1600" dirty="0">
+                <a:solidFill>
+                  <a:srgbClr val="808080"/>
+                </a:solidFill>
+                <a:latin typeface="Lucida Console" panose="020B0609040504020204" pitchFamily="49" charset="0"/>
+              </a:rPr>
+              <a:t>, we will print the message</a:t>
+            </a:r>
+            <a:br>
+              <a:rPr lang="en-US" altLang="en-US" sz="1600" dirty="0">
+                <a:solidFill>
+                  <a:srgbClr val="808080"/>
+                </a:solidFill>
+                <a:latin typeface="Lucida Console" panose="020B0609040504020204" pitchFamily="49" charset="0"/>
+              </a:rPr>
+            </a:br>
+            <a:r>
+              <a:rPr lang="en-US" altLang="en-US" sz="1600" dirty="0">
+                <a:solidFill>
+                  <a:srgbClr val="808080"/>
+                </a:solidFill>
+                <a:latin typeface="Lucida Console" panose="020B0609040504020204" pitchFamily="49" charset="0"/>
+              </a:rPr>
+              <a:t>        </a:t>
+            </a:r>
+            <a:r>
+              <a:rPr lang="en-US" altLang="en-US" sz="1600" dirty="0" err="1">
                 <a:solidFill>
                   <a:srgbClr val="A9B7C6"/>
                 </a:solidFill>
                 <a:latin typeface="Lucida Console" panose="020B0609040504020204" pitchFamily="49" charset="0"/>
               </a:rPr>
-              <a:t>Runnable </a:t>
-            </a:r>
-            <a:r>
-              <a:rPr lang="en-US" altLang="en-US" sz="1600" dirty="0">
-                <a:solidFill>
-                  <a:srgbClr val="19A7D6"/>
-                </a:solidFill>
-                <a:latin typeface="Lucida Console" panose="020B0609040504020204" pitchFamily="49" charset="0"/>
-              </a:rPr>
-              <a:t>{</a:t>
+              <a:t>System</a:t>
+            </a:r>
+            <a:r>
+              <a:rPr lang="en-US" altLang="en-US" sz="1600" dirty="0" err="1">
+                <a:solidFill>
+                  <a:srgbClr val="19A7D6"/>
+                </a:solidFill>
+                <a:latin typeface="Lucida Console" panose="020B0609040504020204" pitchFamily="49" charset="0"/>
+              </a:rPr>
+              <a:t>.</a:t>
+            </a:r>
+            <a:r>
+              <a:rPr lang="en-US" altLang="en-US" sz="1600" i="1" dirty="0" err="1">
+                <a:solidFill>
+                  <a:srgbClr val="9876AA"/>
+                </a:solidFill>
+                <a:latin typeface="Lucida Console" panose="020B0609040504020204" pitchFamily="49" charset="0"/>
+              </a:rPr>
+              <a:t>out</a:t>
+            </a:r>
+            <a:r>
+              <a:rPr lang="en-US" altLang="en-US" sz="1600" dirty="0" err="1">
+                <a:solidFill>
+                  <a:srgbClr val="19A7D6"/>
+                </a:solidFill>
+                <a:latin typeface="Lucida Console" panose="020B0609040504020204" pitchFamily="49" charset="0"/>
+              </a:rPr>
+              <a:t>.println</a:t>
+            </a:r>
+            <a:r>
+              <a:rPr lang="en-US" altLang="en-US" sz="1600" dirty="0">
+                <a:solidFill>
+                  <a:srgbClr val="19A7D6"/>
+                </a:solidFill>
+                <a:latin typeface="Lucida Console" panose="020B0609040504020204" pitchFamily="49" charset="0"/>
+              </a:rPr>
+              <a:t> (</a:t>
+            </a:r>
+            <a:r>
+              <a:rPr lang="en-US" altLang="en-US" sz="1600" dirty="0">
+                <a:solidFill>
+                  <a:srgbClr val="6A8759"/>
+                </a:solidFill>
+                <a:latin typeface="Lucida Console" panose="020B0609040504020204" pitchFamily="49" charset="0"/>
+              </a:rPr>
+              <a:t>"Get: " </a:t>
+            </a:r>
+            <a:r>
+              <a:rPr lang="en-US" altLang="en-US" sz="1600" dirty="0">
+                <a:solidFill>
+                  <a:srgbClr val="19A7D6"/>
+                </a:solidFill>
+                <a:latin typeface="Lucida Console" panose="020B0609040504020204" pitchFamily="49" charset="0"/>
+              </a:rPr>
+              <a:t>+ </a:t>
+            </a:r>
+            <a:r>
+              <a:rPr lang="en-US" altLang="en-US" sz="1600" dirty="0">
+                <a:solidFill>
+                  <a:srgbClr val="9876AA"/>
+                </a:solidFill>
+                <a:latin typeface="Lucida Console" panose="020B0609040504020204" pitchFamily="49" charset="0"/>
+              </a:rPr>
+              <a:t>num</a:t>
+            </a:r>
+            <a:r>
+              <a:rPr lang="en-US" altLang="en-US" sz="1600" dirty="0">
+                <a:solidFill>
+                  <a:srgbClr val="19A7D6"/>
+                </a:solidFill>
+                <a:latin typeface="Lucida Console" panose="020B0609040504020204" pitchFamily="49" charset="0"/>
+              </a:rPr>
+              <a:t>)</a:t>
+            </a:r>
+            <a:r>
+              <a:rPr lang="en-US" altLang="en-US" sz="1600" dirty="0">
+                <a:solidFill>
+                  <a:srgbClr val="CC7832"/>
+                </a:solidFill>
+                <a:latin typeface="Lucida Console" panose="020B0609040504020204" pitchFamily="49" charset="0"/>
+              </a:rPr>
+              <a:t>;</a:t>
             </a:r>
             <a:br>
               <a:rPr lang="en-US" altLang="en-US" sz="1600" dirty="0">
                 <a:solidFill>
-                  <a:srgbClr val="19A7D6"/>
+                  <a:srgbClr val="CC7832"/>
                 </a:solidFill>
                 <a:latin typeface="Lucida Console" panose="020B0609040504020204" pitchFamily="49" charset="0"/>
               </a:rPr>
@@ -3785,7 +4085,148 @@
             <a:r>
               <a:rPr lang="en-US" altLang="en-US" sz="1600" dirty="0">
                 <a:solidFill>
-                  <a:srgbClr val="19A7D6"/>
+                  <a:srgbClr val="CC7832"/>
+                </a:solidFill>
+                <a:latin typeface="Lucida Console" panose="020B0609040504020204" pitchFamily="49" charset="0"/>
+              </a:rPr>
+              <a:t>        </a:t>
+            </a:r>
+            <a:r>
+              <a:rPr lang="en-US" altLang="en-US" sz="1600" dirty="0">
+                <a:solidFill>
+                  <a:srgbClr val="808080"/>
+                </a:solidFill>
+                <a:latin typeface="Lucida Console" panose="020B0609040504020204" pitchFamily="49" charset="0"/>
+              </a:rPr>
+              <a:t>// Set the flag to false after read and notify others.</a:t>
+            </a:r>
+            <a:br>
+              <a:rPr lang="en-US" altLang="en-US" sz="1600" dirty="0">
+                <a:solidFill>
+                  <a:srgbClr val="808080"/>
+                </a:solidFill>
+                <a:latin typeface="Lucida Console" panose="020B0609040504020204" pitchFamily="49" charset="0"/>
+              </a:rPr>
+            </a:br>
+            <a:r>
+              <a:rPr lang="en-US" altLang="en-US" sz="1600" dirty="0">
+                <a:solidFill>
+                  <a:srgbClr val="808080"/>
+                </a:solidFill>
+                <a:latin typeface="Lucida Console" panose="020B0609040504020204" pitchFamily="49" charset="0"/>
+              </a:rPr>
+              <a:t>        </a:t>
+            </a:r>
+            <a:r>
+              <a:rPr lang="en-US" altLang="en-US" sz="1600" dirty="0" err="1">
+                <a:solidFill>
+                  <a:srgbClr val="9876AA"/>
+                </a:solidFill>
+                <a:latin typeface="Lucida Console" panose="020B0609040504020204" pitchFamily="49" charset="0"/>
+              </a:rPr>
+              <a:t>valueSet</a:t>
+            </a:r>
+            <a:r>
+              <a:rPr lang="en-US" altLang="en-US" sz="1600" dirty="0">
+                <a:solidFill>
+                  <a:srgbClr val="9876AA"/>
+                </a:solidFill>
+                <a:latin typeface="Lucida Console" panose="020B0609040504020204" pitchFamily="49" charset="0"/>
+              </a:rPr>
+              <a:t> </a:t>
+            </a:r>
+            <a:r>
+              <a:rPr lang="en-US" altLang="en-US" sz="1600" dirty="0">
+                <a:solidFill>
+                  <a:srgbClr val="19A7D6"/>
+                </a:solidFill>
+                <a:latin typeface="Lucida Console" panose="020B0609040504020204" pitchFamily="49" charset="0"/>
+              </a:rPr>
+              <a:t>= </a:t>
+            </a:r>
+            <a:r>
+              <a:rPr lang="en-US" altLang="en-US" sz="1600" dirty="0">
+                <a:solidFill>
+                  <a:srgbClr val="CC7832"/>
+                </a:solidFill>
+                <a:latin typeface="Lucida Console" panose="020B0609040504020204" pitchFamily="49" charset="0"/>
+              </a:rPr>
+              <a:t>false;</a:t>
+            </a:r>
+            <a:br>
+              <a:rPr lang="en-US" altLang="en-US" sz="1600" dirty="0">
+                <a:solidFill>
+                  <a:srgbClr val="CC7832"/>
+                </a:solidFill>
+                <a:latin typeface="Lucida Console" panose="020B0609040504020204" pitchFamily="49" charset="0"/>
+              </a:rPr>
+            </a:br>
+            <a:r>
+              <a:rPr lang="en-US" altLang="en-US" sz="1600" dirty="0">
+                <a:solidFill>
+                  <a:srgbClr val="CC7832"/>
+                </a:solidFill>
+                <a:latin typeface="Lucida Console" panose="020B0609040504020204" pitchFamily="49" charset="0"/>
+              </a:rPr>
+              <a:t>        </a:t>
+            </a:r>
+            <a:r>
+              <a:rPr lang="en-US" altLang="en-US" sz="1600" dirty="0">
+                <a:solidFill>
+                  <a:srgbClr val="19A7D6"/>
+                </a:solidFill>
+                <a:latin typeface="Lucida Console" panose="020B0609040504020204" pitchFamily="49" charset="0"/>
+              </a:rPr>
+              <a:t>notify()</a:t>
+            </a:r>
+            <a:r>
+              <a:rPr lang="en-US" altLang="en-US" sz="1600" dirty="0">
+                <a:solidFill>
+                  <a:srgbClr val="CC7832"/>
+                </a:solidFill>
+                <a:latin typeface="Lucida Console" panose="020B0609040504020204" pitchFamily="49" charset="0"/>
+              </a:rPr>
+              <a:t>; </a:t>
+            </a:r>
+            <a:r>
+              <a:rPr lang="en-US" altLang="en-US" sz="1600" dirty="0">
+                <a:solidFill>
+                  <a:srgbClr val="808080"/>
+                </a:solidFill>
+                <a:latin typeface="Lucida Console" panose="020B0609040504020204" pitchFamily="49" charset="0"/>
+              </a:rPr>
+              <a:t>// This notify </a:t>
+            </a:r>
+            <a:r>
+              <a:rPr lang="en-US" altLang="en-US" sz="1600" dirty="0" err="1">
+                <a:solidFill>
+                  <a:srgbClr val="808080"/>
+                </a:solidFill>
+                <a:latin typeface="Lucida Console" panose="020B0609040504020204" pitchFamily="49" charset="0"/>
+              </a:rPr>
+              <a:t>notify</a:t>
+            </a:r>
+            <a:r>
+              <a:rPr lang="en-US" altLang="en-US" sz="1600" dirty="0">
+                <a:solidFill>
+                  <a:srgbClr val="808080"/>
+                </a:solidFill>
+                <a:latin typeface="Lucida Console" panose="020B0609040504020204" pitchFamily="49" charset="0"/>
+              </a:rPr>
+              <a:t> producer</a:t>
+            </a:r>
+            <a:br>
+              <a:rPr lang="en-US" altLang="en-US" sz="1600" dirty="0">
+                <a:solidFill>
+                  <a:srgbClr val="808080"/>
+                </a:solidFill>
+                <a:latin typeface="Lucida Console" panose="020B0609040504020204" pitchFamily="49" charset="0"/>
+              </a:rPr>
+            </a:br>
+            <a:r>
+              <a:rPr lang="en-US" altLang="en-US" sz="1600" dirty="0">
+                <a:solidFill>
+                  <a:srgbClr val="808080"/>
                 </a:solidFill>
                 <a:latin typeface="Lucida Console" panose="020B0609040504020204" pitchFamily="49" charset="0"/>
               </a:rPr>
@@ -3794,34 +4235,16 @@
             <a:r>
               <a:rPr lang="en-US" altLang="en-US" sz="1600" dirty="0">
                 <a:solidFill>
-                  <a:srgbClr val="A9B7C6"/>
-                </a:solidFill>
-                <a:latin typeface="Lucida Console" panose="020B0609040504020204" pitchFamily="49" charset="0"/>
-              </a:rPr>
-              <a:t>Q </a:t>
-            </a:r>
-            <a:r>
-              <a:rPr lang="en-US" altLang="en-US" sz="1600" dirty="0" err="1">
-                <a:solidFill>
-                  <a:srgbClr val="9876AA"/>
-                </a:solidFill>
-                <a:latin typeface="Lucida Console" panose="020B0609040504020204" pitchFamily="49" charset="0"/>
-              </a:rPr>
-              <a:t>q</a:t>
-            </a:r>
-            <a:r>
-              <a:rPr lang="en-US" altLang="en-US" sz="1600" dirty="0">
-                <a:solidFill>
-                  <a:srgbClr val="CC7832"/>
-                </a:solidFill>
-                <a:latin typeface="Lucida Console" panose="020B0609040504020204" pitchFamily="49" charset="0"/>
-              </a:rPr>
-              <a:t>;</a:t>
+                  <a:srgbClr val="19A7D6"/>
+                </a:solidFill>
+                <a:latin typeface="Lucida Console" panose="020B0609040504020204" pitchFamily="49" charset="0"/>
+              </a:rPr>
+              <a:t>}</a:t>
             </a:r>
             <a:br>
               <a:rPr lang="en-US" altLang="en-US" sz="1600" dirty="0">
                 <a:solidFill>
-                  <a:srgbClr val="CC7832"/>
+                  <a:srgbClr val="19A7D6"/>
                 </a:solidFill>
                 <a:latin typeface="Lucida Console" panose="020B0609040504020204" pitchFamily="49" charset="0"/>
               </a:rPr>
@@ -3829,47 +4252,11 @@
             <a:r>
               <a:rPr lang="en-US" altLang="en-US" sz="1600" dirty="0">
                 <a:solidFill>
-                  <a:srgbClr val="CC7832"/>
-                </a:solidFill>
-                <a:latin typeface="Lucida Console" panose="020B0609040504020204" pitchFamily="49" charset="0"/>
-              </a:rPr>
-              <a:t>    public </a:t>
-            </a:r>
-            <a:r>
-              <a:rPr lang="en-US" altLang="en-US" sz="1600" dirty="0">
-                <a:solidFill>
-                  <a:srgbClr val="FFC66D"/>
-                </a:solidFill>
-                <a:latin typeface="Lucida Console" panose="020B0609040504020204" pitchFamily="49" charset="0"/>
-              </a:rPr>
-              <a:t>Producer</a:t>
-            </a:r>
-            <a:r>
-              <a:rPr lang="en-US" altLang="en-US" sz="1600" dirty="0">
-                <a:solidFill>
-                  <a:srgbClr val="19A7D6"/>
-                </a:solidFill>
-                <a:latin typeface="Lucida Console" panose="020B0609040504020204" pitchFamily="49" charset="0"/>
-              </a:rPr>
-              <a:t>(</a:t>
-            </a:r>
-            <a:r>
-              <a:rPr lang="en-US" altLang="en-US" sz="1600" dirty="0">
-                <a:solidFill>
-                  <a:srgbClr val="A9B7C6"/>
-                </a:solidFill>
-                <a:latin typeface="Lucida Console" panose="020B0609040504020204" pitchFamily="49" charset="0"/>
-              </a:rPr>
-              <a:t>Q q</a:t>
-            </a:r>
-            <a:r>
-              <a:rPr lang="en-US" altLang="en-US" sz="1600" dirty="0">
-                <a:solidFill>
-                  <a:srgbClr val="19A7D6"/>
-                </a:solidFill>
-                <a:latin typeface="Lucida Console" panose="020B0609040504020204" pitchFamily="49" charset="0"/>
-              </a:rPr>
-              <a:t>) {</a:t>
+                  <a:srgbClr val="19A7D6"/>
+                </a:solidFill>
+                <a:latin typeface="Lucida Console" panose="020B0609040504020204" pitchFamily="49" charset="0"/>
+              </a:rPr>
+              <a:t>}</a:t>
             </a:r>
             <a:br>
               <a:rPr lang="en-US" altLang="en-US" sz="1600" dirty="0">
@@ -3879,687 +4266,6 @@
                 <a:latin typeface="Lucida Console" panose="020B0609040504020204" pitchFamily="49" charset="0"/>
               </a:rPr>
             </a:br>
-            <a:r>
-              <a:rPr lang="en-US" altLang="en-US" sz="1600" dirty="0">
-                <a:solidFill>
-                  <a:srgbClr val="19A7D6"/>
-                </a:solidFill>
-                <a:latin typeface="Lucida Console" panose="020B0609040504020204" pitchFamily="49" charset="0"/>
-              </a:rPr>
-              <a:t>        </a:t>
-            </a:r>
-            <a:r>
-              <a:rPr lang="en-US" altLang="en-US" sz="1600" dirty="0" err="1">
-                <a:solidFill>
-                  <a:srgbClr val="CC7832"/>
-                </a:solidFill>
-                <a:latin typeface="Lucida Console" panose="020B0609040504020204" pitchFamily="49" charset="0"/>
-              </a:rPr>
-              <a:t>this</a:t>
-            </a:r>
-            <a:r>
-              <a:rPr lang="en-US" altLang="en-US" sz="1600" dirty="0" err="1">
-                <a:solidFill>
-                  <a:srgbClr val="19A7D6"/>
-                </a:solidFill>
-                <a:latin typeface="Lucida Console" panose="020B0609040504020204" pitchFamily="49" charset="0"/>
-              </a:rPr>
-              <a:t>.</a:t>
-            </a:r>
-            <a:r>
-              <a:rPr lang="en-US" altLang="en-US" sz="1600" dirty="0" err="1">
-                <a:solidFill>
-                  <a:srgbClr val="9876AA"/>
-                </a:solidFill>
-                <a:latin typeface="Lucida Console" panose="020B0609040504020204" pitchFamily="49" charset="0"/>
-              </a:rPr>
-              <a:t>q</a:t>
-            </a:r>
-            <a:r>
-              <a:rPr lang="en-US" altLang="en-US" sz="1600" dirty="0">
-                <a:solidFill>
-                  <a:srgbClr val="9876AA"/>
-                </a:solidFill>
-                <a:latin typeface="Lucida Console" panose="020B0609040504020204" pitchFamily="49" charset="0"/>
-              </a:rPr>
-              <a:t> </a:t>
-            </a:r>
-            <a:r>
-              <a:rPr lang="en-US" altLang="en-US" sz="1600" dirty="0">
-                <a:solidFill>
-                  <a:srgbClr val="19A7D6"/>
-                </a:solidFill>
-                <a:latin typeface="Lucida Console" panose="020B0609040504020204" pitchFamily="49" charset="0"/>
-              </a:rPr>
-              <a:t>= </a:t>
-            </a:r>
-            <a:r>
-              <a:rPr lang="en-US" altLang="en-US" sz="1600" dirty="0">
-                <a:solidFill>
-                  <a:srgbClr val="A9B7C6"/>
-                </a:solidFill>
-                <a:latin typeface="Lucida Console" panose="020B0609040504020204" pitchFamily="49" charset="0"/>
-              </a:rPr>
-              <a:t>q</a:t>
-            </a:r>
-            <a:r>
-              <a:rPr lang="en-US" altLang="en-US" sz="1600" dirty="0">
-                <a:solidFill>
-                  <a:srgbClr val="CC7832"/>
-                </a:solidFill>
-                <a:latin typeface="Lucida Console" panose="020B0609040504020204" pitchFamily="49" charset="0"/>
-              </a:rPr>
-              <a:t>;</a:t>
-            </a:r>
-            <a:br>
-              <a:rPr lang="en-US" altLang="en-US" sz="1600" dirty="0">
-                <a:solidFill>
-                  <a:srgbClr val="CC7832"/>
-                </a:solidFill>
-                <a:latin typeface="Lucida Console" panose="020B0609040504020204" pitchFamily="49" charset="0"/>
-              </a:rPr>
-            </a:br>
-            <a:r>
-              <a:rPr lang="en-US" altLang="en-US" sz="1600" dirty="0">
-                <a:solidFill>
-                  <a:srgbClr val="CC7832"/>
-                </a:solidFill>
-                <a:latin typeface="Lucida Console" panose="020B0609040504020204" pitchFamily="49" charset="0"/>
-              </a:rPr>
-              <a:t>        </a:t>
-            </a:r>
-            <a:r>
-              <a:rPr lang="en-US" altLang="en-US" sz="1600" dirty="0">
-                <a:solidFill>
-                  <a:srgbClr val="808080"/>
-                </a:solidFill>
-                <a:latin typeface="Lucida Console" panose="020B0609040504020204" pitchFamily="49" charset="0"/>
-              </a:rPr>
-              <a:t>// Producer run needs the Thread.</a:t>
-            </a:r>
-            <a:br>
-              <a:rPr lang="en-US" altLang="en-US" sz="1600" dirty="0">
-                <a:solidFill>
-                  <a:srgbClr val="808080"/>
-                </a:solidFill>
-                <a:latin typeface="Lucida Console" panose="020B0609040504020204" pitchFamily="49" charset="0"/>
-              </a:rPr>
-            </a:br>
-            <a:r>
-              <a:rPr lang="en-US" altLang="en-US" sz="1600" dirty="0">
-                <a:solidFill>
-                  <a:srgbClr val="808080"/>
-                </a:solidFill>
-                <a:latin typeface="Lucida Console" panose="020B0609040504020204" pitchFamily="49" charset="0"/>
-              </a:rPr>
-              <a:t>        </a:t>
-            </a:r>
-            <a:r>
-              <a:rPr lang="en-US" altLang="en-US" sz="1600" dirty="0">
-                <a:solidFill>
-                  <a:srgbClr val="A9B7C6"/>
-                </a:solidFill>
-                <a:latin typeface="Lucida Console" panose="020B0609040504020204" pitchFamily="49" charset="0"/>
-              </a:rPr>
-              <a:t>Thread t </a:t>
-            </a:r>
-            <a:r>
-              <a:rPr lang="en-US" altLang="en-US" sz="1600" dirty="0">
-                <a:solidFill>
-                  <a:srgbClr val="19A7D6"/>
-                </a:solidFill>
-                <a:latin typeface="Lucida Console" panose="020B0609040504020204" pitchFamily="49" charset="0"/>
-              </a:rPr>
-              <a:t>= </a:t>
-            </a:r>
-            <a:r>
-              <a:rPr lang="en-US" altLang="en-US" sz="1600" dirty="0">
-                <a:solidFill>
-                  <a:srgbClr val="CC7832"/>
-                </a:solidFill>
-                <a:latin typeface="Lucida Console" panose="020B0609040504020204" pitchFamily="49" charset="0"/>
-              </a:rPr>
-              <a:t>new </a:t>
-            </a:r>
-            <a:r>
-              <a:rPr lang="en-US" altLang="en-US" sz="1600" dirty="0">
-                <a:solidFill>
-                  <a:srgbClr val="19A7D6"/>
-                </a:solidFill>
-                <a:latin typeface="Lucida Console" panose="020B0609040504020204" pitchFamily="49" charset="0"/>
-              </a:rPr>
-              <a:t>Thread (</a:t>
-            </a:r>
-            <a:r>
-              <a:rPr lang="en-US" altLang="en-US" sz="1600" dirty="0">
-                <a:solidFill>
-                  <a:srgbClr val="CC7832"/>
-                </a:solidFill>
-                <a:latin typeface="Lucida Console" panose="020B0609040504020204" pitchFamily="49" charset="0"/>
-              </a:rPr>
-              <a:t>this, </a:t>
-            </a:r>
-            <a:r>
-              <a:rPr lang="en-US" altLang="en-US" sz="1600" dirty="0">
-                <a:solidFill>
-                  <a:srgbClr val="6A8759"/>
-                </a:solidFill>
-                <a:latin typeface="Lucida Console" panose="020B0609040504020204" pitchFamily="49" charset="0"/>
-              </a:rPr>
-              <a:t>"Producer"</a:t>
-            </a:r>
-            <a:r>
-              <a:rPr lang="en-US" altLang="en-US" sz="1600" dirty="0">
-                <a:solidFill>
-                  <a:srgbClr val="19A7D6"/>
-                </a:solidFill>
-                <a:latin typeface="Lucida Console" panose="020B0609040504020204" pitchFamily="49" charset="0"/>
-              </a:rPr>
-              <a:t>)</a:t>
-            </a:r>
-            <a:r>
-              <a:rPr lang="en-US" altLang="en-US" sz="1600" dirty="0">
-                <a:solidFill>
-                  <a:srgbClr val="CC7832"/>
-                </a:solidFill>
-                <a:latin typeface="Lucida Console" panose="020B0609040504020204" pitchFamily="49" charset="0"/>
-              </a:rPr>
-              <a:t>;</a:t>
-            </a:r>
-            <a:br>
-              <a:rPr lang="en-US" altLang="en-US" sz="1600" dirty="0">
-                <a:solidFill>
-                  <a:srgbClr val="CC7832"/>
-                </a:solidFill>
-                <a:latin typeface="Lucida Console" panose="020B0609040504020204" pitchFamily="49" charset="0"/>
-              </a:rPr>
-            </a:br>
-            <a:r>
-              <a:rPr lang="en-US" altLang="en-US" sz="1600" dirty="0">
-                <a:solidFill>
-                  <a:srgbClr val="CC7832"/>
-                </a:solidFill>
-                <a:latin typeface="Lucida Console" panose="020B0609040504020204" pitchFamily="49" charset="0"/>
-              </a:rPr>
-              <a:t>        </a:t>
-            </a:r>
-            <a:r>
-              <a:rPr lang="en-US" altLang="en-US" sz="1600" dirty="0" err="1">
-                <a:solidFill>
-                  <a:srgbClr val="A9B7C6"/>
-                </a:solidFill>
-                <a:latin typeface="Lucida Console" panose="020B0609040504020204" pitchFamily="49" charset="0"/>
-              </a:rPr>
-              <a:t>t</a:t>
-            </a:r>
-            <a:r>
-              <a:rPr lang="en-US" altLang="en-US" sz="1600" dirty="0" err="1">
-                <a:solidFill>
-                  <a:srgbClr val="19A7D6"/>
-                </a:solidFill>
-                <a:latin typeface="Lucida Console" panose="020B0609040504020204" pitchFamily="49" charset="0"/>
-              </a:rPr>
-              <a:t>.start</a:t>
-            </a:r>
-            <a:r>
-              <a:rPr lang="en-US" altLang="en-US" sz="1600" dirty="0">
-                <a:solidFill>
-                  <a:srgbClr val="19A7D6"/>
-                </a:solidFill>
-                <a:latin typeface="Lucida Console" panose="020B0609040504020204" pitchFamily="49" charset="0"/>
-              </a:rPr>
-              <a:t>()</a:t>
-            </a:r>
-            <a:r>
-              <a:rPr lang="en-US" altLang="en-US" sz="1600" dirty="0">
-                <a:solidFill>
-                  <a:srgbClr val="CC7832"/>
-                </a:solidFill>
-                <a:latin typeface="Lucida Console" panose="020B0609040504020204" pitchFamily="49" charset="0"/>
-              </a:rPr>
-              <a:t>;</a:t>
-            </a:r>
-            <a:br>
-              <a:rPr lang="en-US" altLang="en-US" sz="1600" dirty="0">
-                <a:solidFill>
-                  <a:srgbClr val="CC7832"/>
-                </a:solidFill>
-                <a:latin typeface="Lucida Console" panose="020B0609040504020204" pitchFamily="49" charset="0"/>
-              </a:rPr>
-            </a:br>
-            <a:r>
-              <a:rPr lang="en-US" altLang="en-US" sz="1600" dirty="0">
-                <a:solidFill>
-                  <a:srgbClr val="CC7832"/>
-                </a:solidFill>
-                <a:latin typeface="Lucida Console" panose="020B0609040504020204" pitchFamily="49" charset="0"/>
-              </a:rPr>
-              <a:t>    </a:t>
-            </a:r>
-            <a:r>
-              <a:rPr lang="en-US" altLang="en-US" sz="1600" dirty="0">
-                <a:solidFill>
-                  <a:srgbClr val="19A7D6"/>
-                </a:solidFill>
-                <a:latin typeface="Lucida Console" panose="020B0609040504020204" pitchFamily="49" charset="0"/>
-              </a:rPr>
-              <a:t>}</a:t>
-            </a:r>
-            <a:br>
-              <a:rPr lang="en-US" altLang="en-US" sz="1600" dirty="0">
-                <a:solidFill>
-                  <a:srgbClr val="19A7D6"/>
-                </a:solidFill>
-                <a:latin typeface="Lucida Console" panose="020B0609040504020204" pitchFamily="49" charset="0"/>
-              </a:rPr>
-            </a:br>
-            <a:r>
-              <a:rPr lang="en-US" altLang="en-US" sz="1600" dirty="0">
-                <a:solidFill>
-                  <a:srgbClr val="19A7D6"/>
-                </a:solidFill>
-                <a:latin typeface="Lucida Console" panose="020B0609040504020204" pitchFamily="49" charset="0"/>
-              </a:rPr>
-              <a:t>    </a:t>
-            </a:r>
-            <a:r>
-              <a:rPr lang="en-US" altLang="en-US" sz="1600" dirty="0">
-                <a:solidFill>
-                  <a:srgbClr val="CC7832"/>
-                </a:solidFill>
-                <a:latin typeface="Lucida Console" panose="020B0609040504020204" pitchFamily="49" charset="0"/>
-              </a:rPr>
-              <a:t>public void </a:t>
-            </a:r>
-            <a:r>
-              <a:rPr lang="en-US" altLang="en-US" sz="1600" dirty="0">
-                <a:solidFill>
-                  <a:srgbClr val="FFC66D"/>
-                </a:solidFill>
-                <a:latin typeface="Lucida Console" panose="020B0609040504020204" pitchFamily="49" charset="0"/>
-              </a:rPr>
-              <a:t>run </a:t>
-            </a:r>
-            <a:r>
-              <a:rPr lang="en-US" altLang="en-US" sz="1600" dirty="0">
-                <a:solidFill>
-                  <a:srgbClr val="19A7D6"/>
-                </a:solidFill>
-                <a:latin typeface="Lucida Console" panose="020B0609040504020204" pitchFamily="49" charset="0"/>
-              </a:rPr>
-              <a:t>() {</a:t>
-            </a:r>
-            <a:br>
-              <a:rPr lang="en-US" altLang="en-US" sz="1600" dirty="0">
-                <a:solidFill>
-                  <a:srgbClr val="19A7D6"/>
-                </a:solidFill>
-                <a:latin typeface="Lucida Console" panose="020B0609040504020204" pitchFamily="49" charset="0"/>
-              </a:rPr>
-            </a:br>
-            <a:r>
-              <a:rPr lang="en-US" altLang="en-US" sz="1600" dirty="0">
-                <a:solidFill>
-                  <a:srgbClr val="19A7D6"/>
-                </a:solidFill>
-                <a:latin typeface="Lucida Console" panose="020B0609040504020204" pitchFamily="49" charset="0"/>
-              </a:rPr>
-              <a:t>        </a:t>
-            </a:r>
-            <a:r>
-              <a:rPr lang="en-US" altLang="en-US" sz="1600" dirty="0">
-                <a:solidFill>
-                  <a:srgbClr val="CC7832"/>
-                </a:solidFill>
-                <a:latin typeface="Lucida Console" panose="020B0609040504020204" pitchFamily="49" charset="0"/>
-              </a:rPr>
-              <a:t>int </a:t>
-            </a:r>
-            <a:r>
-              <a:rPr lang="en-US" altLang="en-US" sz="1600" dirty="0" err="1">
-                <a:solidFill>
-                  <a:srgbClr val="19A7D6"/>
-                </a:solidFill>
-                <a:latin typeface="Lucida Console" panose="020B0609040504020204" pitchFamily="49" charset="0"/>
-              </a:rPr>
-              <a:t>i</a:t>
-            </a:r>
-            <a:r>
-              <a:rPr lang="en-US" altLang="en-US" sz="1600" dirty="0">
-                <a:solidFill>
-                  <a:srgbClr val="19A7D6"/>
-                </a:solidFill>
-                <a:latin typeface="Lucida Console" panose="020B0609040504020204" pitchFamily="49" charset="0"/>
-              </a:rPr>
-              <a:t> = </a:t>
-            </a:r>
-            <a:r>
-              <a:rPr lang="en-US" altLang="en-US" sz="1600" dirty="0">
-                <a:solidFill>
-                  <a:srgbClr val="6897BB"/>
-                </a:solidFill>
-                <a:latin typeface="Lucida Console" panose="020B0609040504020204" pitchFamily="49" charset="0"/>
-              </a:rPr>
-              <a:t>0</a:t>
-            </a:r>
-            <a:r>
-              <a:rPr lang="en-US" altLang="en-US" sz="1600" dirty="0">
-                <a:solidFill>
-                  <a:srgbClr val="CC7832"/>
-                </a:solidFill>
-                <a:latin typeface="Lucida Console" panose="020B0609040504020204" pitchFamily="49" charset="0"/>
-              </a:rPr>
-              <a:t>;</a:t>
-            </a:r>
-            <a:br>
-              <a:rPr lang="en-US" altLang="en-US" sz="1600" dirty="0">
-                <a:solidFill>
-                  <a:srgbClr val="CC7832"/>
-                </a:solidFill>
-                <a:latin typeface="Lucida Console" panose="020B0609040504020204" pitchFamily="49" charset="0"/>
-              </a:rPr>
-            </a:br>
-            <a:r>
-              <a:rPr lang="en-US" altLang="en-US" sz="1600" dirty="0">
-                <a:solidFill>
-                  <a:srgbClr val="CC7832"/>
-                </a:solidFill>
-                <a:latin typeface="Lucida Console" panose="020B0609040504020204" pitchFamily="49" charset="0"/>
-              </a:rPr>
-              <a:t>        while </a:t>
-            </a:r>
-            <a:r>
-              <a:rPr lang="en-US" altLang="en-US" sz="1600" dirty="0">
-                <a:solidFill>
-                  <a:srgbClr val="19A7D6"/>
-                </a:solidFill>
-                <a:latin typeface="Lucida Console" panose="020B0609040504020204" pitchFamily="49" charset="0"/>
-              </a:rPr>
-              <a:t>(</a:t>
-            </a:r>
-            <a:r>
-              <a:rPr lang="en-US" altLang="en-US" sz="1600" dirty="0">
-                <a:solidFill>
-                  <a:srgbClr val="CC7832"/>
-                </a:solidFill>
-                <a:latin typeface="Lucida Console" panose="020B0609040504020204" pitchFamily="49" charset="0"/>
-              </a:rPr>
-              <a:t>true</a:t>
-            </a:r>
-            <a:r>
-              <a:rPr lang="en-US" altLang="en-US" sz="1600" dirty="0">
-                <a:solidFill>
-                  <a:srgbClr val="19A7D6"/>
-                </a:solidFill>
-                <a:latin typeface="Lucida Console" panose="020B0609040504020204" pitchFamily="49" charset="0"/>
-              </a:rPr>
-              <a:t>) {</a:t>
-            </a:r>
-            <a:br>
-              <a:rPr lang="en-US" altLang="en-US" sz="1600" dirty="0">
-                <a:solidFill>
-                  <a:srgbClr val="19A7D6"/>
-                </a:solidFill>
-                <a:latin typeface="Lucida Console" panose="020B0609040504020204" pitchFamily="49" charset="0"/>
-              </a:rPr>
-            </a:br>
-            <a:r>
-              <a:rPr lang="en-US" altLang="en-US" sz="1600" dirty="0">
-                <a:solidFill>
-                  <a:srgbClr val="19A7D6"/>
-                </a:solidFill>
-                <a:latin typeface="Lucida Console" panose="020B0609040504020204" pitchFamily="49" charset="0"/>
-              </a:rPr>
-              <a:t>            </a:t>
-            </a:r>
-            <a:r>
-              <a:rPr lang="en-US" altLang="en-US" sz="1600" dirty="0" err="1">
-                <a:solidFill>
-                  <a:srgbClr val="9876AA"/>
-                </a:solidFill>
-                <a:latin typeface="Lucida Console" panose="020B0609040504020204" pitchFamily="49" charset="0"/>
-              </a:rPr>
-              <a:t>q</a:t>
-            </a:r>
-            <a:r>
-              <a:rPr lang="en-US" altLang="en-US" sz="1600" dirty="0" err="1">
-                <a:solidFill>
-                  <a:srgbClr val="19A7D6"/>
-                </a:solidFill>
-                <a:latin typeface="Lucida Console" panose="020B0609040504020204" pitchFamily="49" charset="0"/>
-              </a:rPr>
-              <a:t>.put</a:t>
-            </a:r>
-            <a:r>
-              <a:rPr lang="en-US" altLang="en-US" sz="1600" dirty="0">
-                <a:solidFill>
-                  <a:srgbClr val="19A7D6"/>
-                </a:solidFill>
-                <a:latin typeface="Lucida Console" panose="020B0609040504020204" pitchFamily="49" charset="0"/>
-              </a:rPr>
-              <a:t> (</a:t>
-            </a:r>
-            <a:r>
-              <a:rPr lang="en-US" altLang="en-US" sz="1600" dirty="0" err="1">
-                <a:solidFill>
-                  <a:srgbClr val="19A7D6"/>
-                </a:solidFill>
-                <a:latin typeface="Lucida Console" panose="020B0609040504020204" pitchFamily="49" charset="0"/>
-              </a:rPr>
-              <a:t>i</a:t>
-            </a:r>
-            <a:r>
-              <a:rPr lang="en-US" altLang="en-US" sz="1600" dirty="0">
-                <a:solidFill>
-                  <a:srgbClr val="19A7D6"/>
-                </a:solidFill>
-                <a:latin typeface="Lucida Console" panose="020B0609040504020204" pitchFamily="49" charset="0"/>
-              </a:rPr>
-              <a:t>++)</a:t>
-            </a:r>
-            <a:r>
-              <a:rPr lang="en-US" altLang="en-US" sz="1600" dirty="0">
-                <a:solidFill>
-                  <a:srgbClr val="CC7832"/>
-                </a:solidFill>
-                <a:latin typeface="Lucida Console" panose="020B0609040504020204" pitchFamily="49" charset="0"/>
-              </a:rPr>
-              <a:t>;</a:t>
-            </a:r>
-            <a:br>
-              <a:rPr lang="en-US" altLang="en-US" sz="1600" dirty="0">
-                <a:solidFill>
-                  <a:srgbClr val="CC7832"/>
-                </a:solidFill>
-                <a:latin typeface="Lucida Console" panose="020B0609040504020204" pitchFamily="49" charset="0"/>
-              </a:rPr>
-            </a:br>
-            <a:r>
-              <a:rPr lang="en-US" altLang="en-US" sz="1600" dirty="0">
-                <a:solidFill>
-                  <a:srgbClr val="CC7832"/>
-                </a:solidFill>
-                <a:latin typeface="Lucida Console" panose="020B0609040504020204" pitchFamily="49" charset="0"/>
-              </a:rPr>
-              <a:t>            try </a:t>
-            </a:r>
-            <a:r>
-              <a:rPr lang="en-US" altLang="en-US" sz="1600" dirty="0">
-                <a:solidFill>
-                  <a:srgbClr val="19A7D6"/>
-                </a:solidFill>
-                <a:latin typeface="Lucida Console" panose="020B0609040504020204" pitchFamily="49" charset="0"/>
-              </a:rPr>
-              <a:t>{ </a:t>
-            </a:r>
-            <a:r>
-              <a:rPr lang="en-US" altLang="en-US" sz="1600" dirty="0" err="1">
-                <a:solidFill>
-                  <a:srgbClr val="A9B7C6"/>
-                </a:solidFill>
-                <a:latin typeface="Lucida Console" panose="020B0609040504020204" pitchFamily="49" charset="0"/>
-              </a:rPr>
-              <a:t>Thread</a:t>
-            </a:r>
-            <a:r>
-              <a:rPr lang="en-US" altLang="en-US" sz="1600" dirty="0" err="1">
-                <a:solidFill>
-                  <a:srgbClr val="19A7D6"/>
-                </a:solidFill>
-                <a:latin typeface="Lucida Console" panose="020B0609040504020204" pitchFamily="49" charset="0"/>
-              </a:rPr>
-              <a:t>.</a:t>
-            </a:r>
-            <a:r>
-              <a:rPr lang="en-US" altLang="en-US" sz="1600" i="1" dirty="0" err="1">
-                <a:solidFill>
-                  <a:srgbClr val="19A7D6"/>
-                </a:solidFill>
-                <a:latin typeface="Lucida Console" panose="020B0609040504020204" pitchFamily="49" charset="0"/>
-              </a:rPr>
-              <a:t>sleep</a:t>
-            </a:r>
-            <a:r>
-              <a:rPr lang="en-US" altLang="en-US" sz="1600" i="1" dirty="0">
-                <a:solidFill>
-                  <a:srgbClr val="19A7D6"/>
-                </a:solidFill>
-                <a:latin typeface="Lucida Console" panose="020B0609040504020204" pitchFamily="49" charset="0"/>
-              </a:rPr>
-              <a:t> </a:t>
-            </a:r>
-            <a:r>
-              <a:rPr lang="en-US" altLang="en-US" sz="1600" dirty="0">
-                <a:solidFill>
-                  <a:srgbClr val="19A7D6"/>
-                </a:solidFill>
-                <a:latin typeface="Lucida Console" panose="020B0609040504020204" pitchFamily="49" charset="0"/>
-              </a:rPr>
-              <a:t>(</a:t>
-            </a:r>
-            <a:r>
-              <a:rPr lang="en-US" altLang="en-US" sz="1600" dirty="0">
-                <a:solidFill>
-                  <a:srgbClr val="6897BB"/>
-                </a:solidFill>
-                <a:latin typeface="Lucida Console" panose="020B0609040504020204" pitchFamily="49" charset="0"/>
-              </a:rPr>
-              <a:t>1000</a:t>
-            </a:r>
-            <a:r>
-              <a:rPr lang="en-US" altLang="en-US" sz="1600" dirty="0">
-                <a:solidFill>
-                  <a:srgbClr val="19A7D6"/>
-                </a:solidFill>
-                <a:latin typeface="Lucida Console" panose="020B0609040504020204" pitchFamily="49" charset="0"/>
-              </a:rPr>
-              <a:t>)</a:t>
-            </a:r>
-            <a:r>
-              <a:rPr lang="en-US" altLang="en-US" sz="1600" dirty="0">
-                <a:solidFill>
-                  <a:srgbClr val="CC7832"/>
-                </a:solidFill>
-                <a:latin typeface="Lucida Console" panose="020B0609040504020204" pitchFamily="49" charset="0"/>
-              </a:rPr>
-              <a:t>; </a:t>
-            </a:r>
-            <a:r>
-              <a:rPr lang="en-US" altLang="en-US" sz="1600" dirty="0">
-                <a:solidFill>
-                  <a:srgbClr val="19A7D6"/>
-                </a:solidFill>
-                <a:latin typeface="Lucida Console" panose="020B0609040504020204" pitchFamily="49" charset="0"/>
-              </a:rPr>
-              <a:t>} </a:t>
-            </a:r>
-            <a:r>
-              <a:rPr lang="en-US" altLang="en-US" sz="1600" dirty="0">
-                <a:solidFill>
-                  <a:srgbClr val="CC7832"/>
-                </a:solidFill>
-                <a:latin typeface="Lucida Console" panose="020B0609040504020204" pitchFamily="49" charset="0"/>
-              </a:rPr>
-              <a:t>catch </a:t>
-            </a:r>
-            <a:r>
-              <a:rPr lang="en-US" altLang="en-US" sz="1600" dirty="0">
-                <a:solidFill>
-                  <a:srgbClr val="19A7D6"/>
-                </a:solidFill>
-                <a:latin typeface="Lucida Console" panose="020B0609040504020204" pitchFamily="49" charset="0"/>
-              </a:rPr>
-              <a:t>(</a:t>
-            </a:r>
-            <a:r>
-              <a:rPr lang="en-US" altLang="en-US" sz="1600" dirty="0">
-                <a:solidFill>
-                  <a:srgbClr val="A9B7C6"/>
-                </a:solidFill>
-                <a:latin typeface="Lucida Console" panose="020B0609040504020204" pitchFamily="49" charset="0"/>
-              </a:rPr>
-              <a:t>Exception e</a:t>
-            </a:r>
-            <a:r>
-              <a:rPr lang="en-US" altLang="en-US" sz="1600" dirty="0">
-                <a:solidFill>
-                  <a:srgbClr val="19A7D6"/>
-                </a:solidFill>
-                <a:latin typeface="Lucida Console" panose="020B0609040504020204" pitchFamily="49" charset="0"/>
-              </a:rPr>
-              <a:t>) {}</a:t>
-            </a:r>
-            <a:br>
-              <a:rPr lang="en-US" altLang="en-US" sz="1600" dirty="0">
-                <a:solidFill>
-                  <a:srgbClr val="19A7D6"/>
-                </a:solidFill>
-                <a:latin typeface="Lucida Console" panose="020B0609040504020204" pitchFamily="49" charset="0"/>
-              </a:rPr>
-            </a:br>
-            <a:r>
-              <a:rPr lang="en-US" altLang="en-US" sz="1600" dirty="0">
-                <a:solidFill>
-                  <a:srgbClr val="19A7D6"/>
-                </a:solidFill>
-                <a:latin typeface="Lucida Console" panose="020B0609040504020204" pitchFamily="49" charset="0"/>
-              </a:rPr>
-              <a:t>        }</a:t>
-            </a:r>
-            <a:br>
-              <a:rPr lang="en-US" altLang="en-US" sz="1600" dirty="0">
-                <a:solidFill>
-                  <a:srgbClr val="19A7D6"/>
-                </a:solidFill>
-                <a:latin typeface="Lucida Console" panose="020B0609040504020204" pitchFamily="49" charset="0"/>
-              </a:rPr>
-            </a:br>
-            <a:r>
-              <a:rPr lang="en-US" altLang="en-US" sz="1600" dirty="0">
-                <a:solidFill>
-                  <a:srgbClr val="19A7D6"/>
-                </a:solidFill>
-                <a:latin typeface="Lucida Console" panose="020B0609040504020204" pitchFamily="49" charset="0"/>
-              </a:rPr>
-              <a:t>    }</a:t>
-            </a:r>
-            <a:br>
-              <a:rPr lang="en-US" altLang="en-US" sz="1600" dirty="0">
-                <a:solidFill>
-                  <a:srgbClr val="19A7D6"/>
-                </a:solidFill>
-                <a:latin typeface="Lucida Console" panose="020B0609040504020204" pitchFamily="49" charset="0"/>
-              </a:rPr>
-            </a:br>
-            <a:r>
-              <a:rPr lang="en-US" altLang="en-US" sz="1600" dirty="0">
-                <a:solidFill>
-                  <a:srgbClr val="19A7D6"/>
-                </a:solidFill>
-                <a:latin typeface="Lucida Console" panose="020B0609040504020204" pitchFamily="49" charset="0"/>
-              </a:rPr>
-              <a:t>}</a:t>
-            </a:r>
             <a:endParaRPr lang="en-US" altLang="en-US" sz="1600" dirty="0">
               <a:solidFill>
                 <a:schemeClr val="tx1"/>
@@ -4699,7 +4405,7 @@
     </p:spTree>
     <p:extLst>
       <p:ext uri="{BB962C8B-B14F-4D97-AF65-F5344CB8AC3E}">
-        <p14:creationId xmlns:p14="http://schemas.microsoft.com/office/powerpoint/2010/main" val="1338331188"/>
+        <p14:creationId xmlns:p14="http://schemas.microsoft.com/office/powerpoint/2010/main" val="2450794174"/>
       </p:ext>
     </p:extLst>
   </p:cSld>
@@ -4804,7 +4510,7 @@
         <p:spPr>
           <a:xfrm>
             <a:off x="467544" y="1268760"/>
-            <a:ext cx="8424936" cy="3168352"/>
+            <a:ext cx="7920880" cy="4320480"/>
           </a:xfrm>
           <a:ln>
             <a:solidFill>
@@ -4827,17 +4533,71 @@
               <a:buChar char="u"/>
             </a:pPr>
             <a:r>
-              <a:rPr lang="en-US" altLang="zh-TW" sz="1600" dirty="0">
+              <a:rPr lang="en-US" altLang="en-US" sz="1600" dirty="0">
                 <a:solidFill>
                   <a:schemeClr val="tx1"/>
                 </a:solidFill>
-              </a:rPr>
-              <a:t>Class Q (3): Synchronized get</a:t>
+                <a:latin typeface="Lucida Console" panose="020B0609040504020204" pitchFamily="49" charset="0"/>
+              </a:rPr>
+              <a:t>Class Producer</a:t>
+            </a:r>
+          </a:p>
+          <a:p>
+            <a:pPr algn="l">
+              <a:buClr>
+                <a:srgbClr val="0070C0"/>
+              </a:buClr>
+              <a:buSzPct val="80000"/>
+            </a:pPr>
+            <a:r>
+              <a:rPr lang="en-US" altLang="en-US" sz="1600" dirty="0">
+                <a:solidFill>
+                  <a:srgbClr val="CC7832"/>
+                </a:solidFill>
+                <a:latin typeface="Lucida Console" panose="020B0609040504020204" pitchFamily="49" charset="0"/>
+              </a:rPr>
+              <a:t>class </a:t>
+            </a:r>
+            <a:r>
+              <a:rPr lang="en-US" altLang="en-US" sz="1600" dirty="0">
+                <a:solidFill>
+                  <a:srgbClr val="A9B7C6"/>
+                </a:solidFill>
+                <a:latin typeface="Lucida Console" panose="020B0609040504020204" pitchFamily="49" charset="0"/>
+              </a:rPr>
+              <a:t>Producer </a:t>
+            </a:r>
+            <a:r>
+              <a:rPr lang="en-US" altLang="en-US" sz="1600" dirty="0">
+                <a:solidFill>
+                  <a:srgbClr val="CC7832"/>
+                </a:solidFill>
+                <a:latin typeface="Lucida Console" panose="020B0609040504020204" pitchFamily="49" charset="0"/>
+              </a:rPr>
+              <a:t>implements </a:t>
+            </a:r>
+            <a:r>
+              <a:rPr lang="en-US" altLang="en-US" sz="1600" dirty="0">
+                <a:solidFill>
+                  <a:srgbClr val="A9B7C6"/>
+                </a:solidFill>
+                <a:latin typeface="Lucida Console" panose="020B0609040504020204" pitchFamily="49" charset="0"/>
+              </a:rPr>
+              <a:t>Runnable </a:t>
+            </a:r>
+            <a:r>
+              <a:rPr lang="en-US" altLang="en-US" sz="1600" dirty="0">
+                <a:solidFill>
+                  <a:srgbClr val="19A7D6"/>
+                </a:solidFill>
+                <a:latin typeface="Lucida Console" panose="020B0609040504020204" pitchFamily="49" charset="0"/>
+              </a:rPr>
+              <a:t>{</a:t>
             </a:r>
             <a:br>
               <a:rPr lang="en-US" altLang="en-US" sz="1600" dirty="0">
                 <a:solidFill>
-                  <a:srgbClr val="CC7832"/>
+                  <a:srgbClr val="19A7D6"/>
                 </a:solidFill>
                 <a:latin typeface="Lucida Console" panose="020B0609040504020204" pitchFamily="49" charset="0"/>
               </a:rPr>
@@ -4845,11 +4605,55 @@
             <a:r>
               <a:rPr lang="en-US" altLang="en-US" sz="1600" dirty="0">
                 <a:solidFill>
-                  <a:srgbClr val="CC7832"/>
-                </a:solidFill>
-                <a:latin typeface="Lucida Console" panose="020B0609040504020204" pitchFamily="49" charset="0"/>
-              </a:rPr>
-              <a:t>public synchronized void </a:t>
+                  <a:srgbClr val="19A7D6"/>
+                </a:solidFill>
+                <a:latin typeface="Lucida Console" panose="020B0609040504020204" pitchFamily="49" charset="0"/>
+              </a:rPr>
+              <a:t>    </a:t>
+            </a:r>
+            <a:r>
+              <a:rPr lang="en-US" altLang="en-US" sz="1600" dirty="0">
+                <a:solidFill>
+                  <a:srgbClr val="A9B7C6"/>
+                </a:solidFill>
+                <a:latin typeface="Lucida Console" panose="020B0609040504020204" pitchFamily="49" charset="0"/>
+              </a:rPr>
+              <a:t>Q </a:t>
+            </a:r>
+            <a:r>
+              <a:rPr lang="en-US" altLang="en-US" sz="1600" dirty="0" err="1">
+                <a:solidFill>
+                  <a:srgbClr val="9876AA"/>
+                </a:solidFill>
+                <a:latin typeface="Lucida Console" panose="020B0609040504020204" pitchFamily="49" charset="0"/>
+              </a:rPr>
+              <a:t>q</a:t>
+            </a:r>
+            <a:r>
+              <a:rPr lang="en-US" altLang="en-US" sz="1600" dirty="0">
+                <a:solidFill>
+                  <a:srgbClr val="CC7832"/>
+                </a:solidFill>
+                <a:latin typeface="Lucida Console" panose="020B0609040504020204" pitchFamily="49" charset="0"/>
+              </a:rPr>
+              <a:t>;</a:t>
+            </a:r>
+            <a:br>
+              <a:rPr lang="en-US" altLang="en-US" sz="1600" dirty="0">
+                <a:solidFill>
+                  <a:srgbClr val="CC7832"/>
+                </a:solidFill>
+                <a:latin typeface="Lucida Console" panose="020B0609040504020204" pitchFamily="49" charset="0"/>
+              </a:rPr>
+            </a:br>
+            <a:r>
+              <a:rPr lang="en-US" altLang="en-US" sz="1600" dirty="0">
+                <a:solidFill>
+                  <a:srgbClr val="CC7832"/>
+                </a:solidFill>
+                <a:latin typeface="Lucida Console" panose="020B0609040504020204" pitchFamily="49" charset="0"/>
+              </a:rPr>
+              <a:t>    public </a:t>
             </a:r>
             <a:r>
               <a:rPr lang="en-US" altLang="en-US" sz="1600" dirty="0">
@@ -4858,7 +4662,343 @@
                 </a:solidFill>
                 <a:latin typeface="Lucida Console" panose="020B0609040504020204" pitchFamily="49" charset="0"/>
               </a:rPr>
-              <a:t>get </a:t>
+              <a:t>Producer</a:t>
+            </a:r>
+            <a:r>
+              <a:rPr lang="en-US" altLang="en-US" sz="1600" dirty="0">
+                <a:solidFill>
+                  <a:srgbClr val="19A7D6"/>
+                </a:solidFill>
+                <a:latin typeface="Lucida Console" panose="020B0609040504020204" pitchFamily="49" charset="0"/>
+              </a:rPr>
+              <a:t>(</a:t>
+            </a:r>
+            <a:r>
+              <a:rPr lang="en-US" altLang="en-US" sz="1600" dirty="0">
+                <a:solidFill>
+                  <a:srgbClr val="A9B7C6"/>
+                </a:solidFill>
+                <a:latin typeface="Lucida Console" panose="020B0609040504020204" pitchFamily="49" charset="0"/>
+              </a:rPr>
+              <a:t>Q q</a:t>
+            </a:r>
+            <a:r>
+              <a:rPr lang="en-US" altLang="en-US" sz="1600" dirty="0">
+                <a:solidFill>
+                  <a:srgbClr val="19A7D6"/>
+                </a:solidFill>
+                <a:latin typeface="Lucida Console" panose="020B0609040504020204" pitchFamily="49" charset="0"/>
+              </a:rPr>
+              <a:t>) {</a:t>
+            </a:r>
+            <a:br>
+              <a:rPr lang="en-US" altLang="en-US" sz="1600" dirty="0">
+                <a:solidFill>
+                  <a:srgbClr val="19A7D6"/>
+                </a:solidFill>
+                <a:latin typeface="Lucida Console" panose="020B0609040504020204" pitchFamily="49" charset="0"/>
+              </a:rPr>
+            </a:br>
+            <a:r>
+              <a:rPr lang="en-US" altLang="en-US" sz="1600" dirty="0">
+                <a:solidFill>
+                  <a:srgbClr val="19A7D6"/>
+                </a:solidFill>
+                <a:latin typeface="Lucida Console" panose="020B0609040504020204" pitchFamily="49" charset="0"/>
+              </a:rPr>
+              <a:t>        </a:t>
+            </a:r>
+            <a:r>
+              <a:rPr lang="en-US" altLang="en-US" sz="1600" dirty="0" err="1">
+                <a:solidFill>
+                  <a:srgbClr val="CC7832"/>
+                </a:solidFill>
+                <a:latin typeface="Lucida Console" panose="020B0609040504020204" pitchFamily="49" charset="0"/>
+              </a:rPr>
+              <a:t>this</a:t>
+            </a:r>
+            <a:r>
+              <a:rPr lang="en-US" altLang="en-US" sz="1600" dirty="0" err="1">
+                <a:solidFill>
+                  <a:srgbClr val="19A7D6"/>
+                </a:solidFill>
+                <a:latin typeface="Lucida Console" panose="020B0609040504020204" pitchFamily="49" charset="0"/>
+              </a:rPr>
+              <a:t>.</a:t>
+            </a:r>
+            <a:r>
+              <a:rPr lang="en-US" altLang="en-US" sz="1600" dirty="0" err="1">
+                <a:solidFill>
+                  <a:srgbClr val="9876AA"/>
+                </a:solidFill>
+                <a:latin typeface="Lucida Console" panose="020B0609040504020204" pitchFamily="49" charset="0"/>
+              </a:rPr>
+              <a:t>q</a:t>
+            </a:r>
+            <a:r>
+              <a:rPr lang="en-US" altLang="en-US" sz="1600" dirty="0">
+                <a:solidFill>
+                  <a:srgbClr val="9876AA"/>
+                </a:solidFill>
+                <a:latin typeface="Lucida Console" panose="020B0609040504020204" pitchFamily="49" charset="0"/>
+              </a:rPr>
+              <a:t> </a:t>
+            </a:r>
+            <a:r>
+              <a:rPr lang="en-US" altLang="en-US" sz="1600" dirty="0">
+                <a:solidFill>
+                  <a:srgbClr val="19A7D6"/>
+                </a:solidFill>
+                <a:latin typeface="Lucida Console" panose="020B0609040504020204" pitchFamily="49" charset="0"/>
+              </a:rPr>
+              <a:t>= </a:t>
+            </a:r>
+            <a:r>
+              <a:rPr lang="en-US" altLang="en-US" sz="1600" dirty="0">
+                <a:solidFill>
+                  <a:srgbClr val="A9B7C6"/>
+                </a:solidFill>
+                <a:latin typeface="Lucida Console" panose="020B0609040504020204" pitchFamily="49" charset="0"/>
+              </a:rPr>
+              <a:t>q</a:t>
+            </a:r>
+            <a:r>
+              <a:rPr lang="en-US" altLang="en-US" sz="1600" dirty="0">
+                <a:solidFill>
+                  <a:srgbClr val="CC7832"/>
+                </a:solidFill>
+                <a:latin typeface="Lucida Console" panose="020B0609040504020204" pitchFamily="49" charset="0"/>
+              </a:rPr>
+              <a:t>;</a:t>
+            </a:r>
+            <a:br>
+              <a:rPr lang="en-US" altLang="en-US" sz="1600" dirty="0">
+                <a:solidFill>
+                  <a:srgbClr val="CC7832"/>
+                </a:solidFill>
+                <a:latin typeface="Lucida Console" panose="020B0609040504020204" pitchFamily="49" charset="0"/>
+              </a:rPr>
+            </a:br>
+            <a:r>
+              <a:rPr lang="en-US" altLang="en-US" sz="1600" dirty="0">
+                <a:solidFill>
+                  <a:srgbClr val="CC7832"/>
+                </a:solidFill>
+                <a:latin typeface="Lucida Console" panose="020B0609040504020204" pitchFamily="49" charset="0"/>
+              </a:rPr>
+              <a:t>        </a:t>
+            </a:r>
+            <a:r>
+              <a:rPr lang="en-US" altLang="en-US" sz="1600" dirty="0">
+                <a:solidFill>
+                  <a:srgbClr val="808080"/>
+                </a:solidFill>
+                <a:latin typeface="Lucida Console" panose="020B0609040504020204" pitchFamily="49" charset="0"/>
+              </a:rPr>
+              <a:t>// Producer run needs the Thread.</a:t>
+            </a:r>
+            <a:br>
+              <a:rPr lang="en-US" altLang="en-US" sz="1600" dirty="0">
+                <a:solidFill>
+                  <a:srgbClr val="808080"/>
+                </a:solidFill>
+                <a:latin typeface="Lucida Console" panose="020B0609040504020204" pitchFamily="49" charset="0"/>
+              </a:rPr>
+            </a:br>
+            <a:r>
+              <a:rPr lang="en-US" altLang="en-US" sz="1600" dirty="0">
+                <a:solidFill>
+                  <a:srgbClr val="808080"/>
+                </a:solidFill>
+                <a:latin typeface="Lucida Console" panose="020B0609040504020204" pitchFamily="49" charset="0"/>
+              </a:rPr>
+              <a:t>        </a:t>
+            </a:r>
+            <a:r>
+              <a:rPr lang="en-US" altLang="en-US" sz="1600" dirty="0">
+                <a:solidFill>
+                  <a:srgbClr val="A9B7C6"/>
+                </a:solidFill>
+                <a:latin typeface="Lucida Console" panose="020B0609040504020204" pitchFamily="49" charset="0"/>
+              </a:rPr>
+              <a:t>Thread t </a:t>
+            </a:r>
+            <a:r>
+              <a:rPr lang="en-US" altLang="en-US" sz="1600" dirty="0">
+                <a:solidFill>
+                  <a:srgbClr val="19A7D6"/>
+                </a:solidFill>
+                <a:latin typeface="Lucida Console" panose="020B0609040504020204" pitchFamily="49" charset="0"/>
+              </a:rPr>
+              <a:t>= </a:t>
+            </a:r>
+            <a:r>
+              <a:rPr lang="en-US" altLang="en-US" sz="1600" dirty="0">
+                <a:solidFill>
+                  <a:srgbClr val="CC7832"/>
+                </a:solidFill>
+                <a:latin typeface="Lucida Console" panose="020B0609040504020204" pitchFamily="49" charset="0"/>
+              </a:rPr>
+              <a:t>new </a:t>
+            </a:r>
+            <a:r>
+              <a:rPr lang="en-US" altLang="en-US" sz="1600" dirty="0">
+                <a:solidFill>
+                  <a:srgbClr val="19A7D6"/>
+                </a:solidFill>
+                <a:latin typeface="Lucida Console" panose="020B0609040504020204" pitchFamily="49" charset="0"/>
+              </a:rPr>
+              <a:t>Thread (</a:t>
+            </a:r>
+            <a:r>
+              <a:rPr lang="en-US" altLang="en-US" sz="1600" dirty="0">
+                <a:solidFill>
+                  <a:srgbClr val="CC7832"/>
+                </a:solidFill>
+                <a:latin typeface="Lucida Console" panose="020B0609040504020204" pitchFamily="49" charset="0"/>
+              </a:rPr>
+              <a:t>this, </a:t>
+            </a:r>
+            <a:r>
+              <a:rPr lang="en-US" altLang="en-US" sz="1600" dirty="0">
+                <a:solidFill>
+                  <a:srgbClr val="6A8759"/>
+                </a:solidFill>
+                <a:latin typeface="Lucida Console" panose="020B0609040504020204" pitchFamily="49" charset="0"/>
+              </a:rPr>
+              <a:t>"Producer"</a:t>
+            </a:r>
+            <a:r>
+              <a:rPr lang="en-US" altLang="en-US" sz="1600" dirty="0">
+                <a:solidFill>
+                  <a:srgbClr val="19A7D6"/>
+                </a:solidFill>
+                <a:latin typeface="Lucida Console" panose="020B0609040504020204" pitchFamily="49" charset="0"/>
+              </a:rPr>
+              <a:t>)</a:t>
+            </a:r>
+            <a:r>
+              <a:rPr lang="en-US" altLang="en-US" sz="1600" dirty="0">
+                <a:solidFill>
+                  <a:srgbClr val="CC7832"/>
+                </a:solidFill>
+                <a:latin typeface="Lucida Console" panose="020B0609040504020204" pitchFamily="49" charset="0"/>
+              </a:rPr>
+              <a:t>;</a:t>
+            </a:r>
+            <a:br>
+              <a:rPr lang="en-US" altLang="en-US" sz="1600" dirty="0">
+                <a:solidFill>
+                  <a:srgbClr val="CC7832"/>
+                </a:solidFill>
+                <a:latin typeface="Lucida Console" panose="020B0609040504020204" pitchFamily="49" charset="0"/>
+              </a:rPr>
+            </a:br>
+            <a:r>
+              <a:rPr lang="en-US" altLang="en-US" sz="1600" dirty="0">
+                <a:solidFill>
+                  <a:srgbClr val="CC7832"/>
+                </a:solidFill>
+                <a:latin typeface="Lucida Console" panose="020B0609040504020204" pitchFamily="49" charset="0"/>
+              </a:rPr>
+              <a:t>        </a:t>
+            </a:r>
+            <a:r>
+              <a:rPr lang="en-US" altLang="en-US" sz="1600" dirty="0" err="1">
+                <a:solidFill>
+                  <a:srgbClr val="A9B7C6"/>
+                </a:solidFill>
+                <a:latin typeface="Lucida Console" panose="020B0609040504020204" pitchFamily="49" charset="0"/>
+              </a:rPr>
+              <a:t>t</a:t>
+            </a:r>
+            <a:r>
+              <a:rPr lang="en-US" altLang="en-US" sz="1600" dirty="0" err="1">
+                <a:solidFill>
+                  <a:srgbClr val="19A7D6"/>
+                </a:solidFill>
+                <a:latin typeface="Lucida Console" panose="020B0609040504020204" pitchFamily="49" charset="0"/>
+              </a:rPr>
+              <a:t>.start</a:t>
+            </a:r>
+            <a:r>
+              <a:rPr lang="en-US" altLang="en-US" sz="1600" dirty="0">
+                <a:solidFill>
+                  <a:srgbClr val="19A7D6"/>
+                </a:solidFill>
+                <a:latin typeface="Lucida Console" panose="020B0609040504020204" pitchFamily="49" charset="0"/>
+              </a:rPr>
+              <a:t>()</a:t>
+            </a:r>
+            <a:r>
+              <a:rPr lang="en-US" altLang="en-US" sz="1600" dirty="0">
+                <a:solidFill>
+                  <a:srgbClr val="CC7832"/>
+                </a:solidFill>
+                <a:latin typeface="Lucida Console" panose="020B0609040504020204" pitchFamily="49" charset="0"/>
+              </a:rPr>
+              <a:t>;</a:t>
+            </a:r>
+            <a:br>
+              <a:rPr lang="en-US" altLang="en-US" sz="1600" dirty="0">
+                <a:solidFill>
+                  <a:srgbClr val="CC7832"/>
+                </a:solidFill>
+                <a:latin typeface="Lucida Console" panose="020B0609040504020204" pitchFamily="49" charset="0"/>
+              </a:rPr>
+            </a:br>
+            <a:r>
+              <a:rPr lang="en-US" altLang="en-US" sz="1600" dirty="0">
+                <a:solidFill>
+                  <a:srgbClr val="CC7832"/>
+                </a:solidFill>
+                <a:latin typeface="Lucida Console" panose="020B0609040504020204" pitchFamily="49" charset="0"/>
+              </a:rPr>
+              <a:t>    </a:t>
+            </a:r>
+            <a:r>
+              <a:rPr lang="en-US" altLang="en-US" sz="1600" dirty="0">
+                <a:solidFill>
+                  <a:srgbClr val="19A7D6"/>
+                </a:solidFill>
+                <a:latin typeface="Lucida Console" panose="020B0609040504020204" pitchFamily="49" charset="0"/>
+              </a:rPr>
+              <a:t>}</a:t>
+            </a:r>
+            <a:br>
+              <a:rPr lang="en-US" altLang="en-US" sz="1600" dirty="0">
+                <a:solidFill>
+                  <a:srgbClr val="19A7D6"/>
+                </a:solidFill>
+                <a:latin typeface="Lucida Console" panose="020B0609040504020204" pitchFamily="49" charset="0"/>
+              </a:rPr>
+            </a:br>
+            <a:r>
+              <a:rPr lang="en-US" altLang="en-US" sz="1600" dirty="0">
+                <a:solidFill>
+                  <a:srgbClr val="19A7D6"/>
+                </a:solidFill>
+                <a:latin typeface="Lucida Console" panose="020B0609040504020204" pitchFamily="49" charset="0"/>
+              </a:rPr>
+              <a:t>    </a:t>
+            </a:r>
+            <a:r>
+              <a:rPr lang="en-US" altLang="en-US" sz="1600" dirty="0">
+                <a:solidFill>
+                  <a:srgbClr val="CC7832"/>
+                </a:solidFill>
+                <a:latin typeface="Lucida Console" panose="020B0609040504020204" pitchFamily="49" charset="0"/>
+              </a:rPr>
+              <a:t>public void </a:t>
+            </a:r>
+            <a:r>
+              <a:rPr lang="en-US" altLang="en-US" sz="1600" dirty="0">
+                <a:solidFill>
+                  <a:srgbClr val="FFC66D"/>
+                </a:solidFill>
+                <a:latin typeface="Lucida Console" panose="020B0609040504020204" pitchFamily="49" charset="0"/>
+              </a:rPr>
+              <a:t>run </a:t>
             </a:r>
             <a:r>
               <a:rPr lang="en-US" altLang="en-US" sz="1600" dirty="0">
@@ -4889,16 +5029,52 @@
             <a:r>
               <a:rPr lang="en-US" altLang="en-US" sz="1600" dirty="0">
                 <a:solidFill>
-                  <a:srgbClr val="808080"/>
-                </a:solidFill>
-                <a:latin typeface="Lucida Console" panose="020B0609040504020204" pitchFamily="49" charset="0"/>
-              </a:rPr>
-              <a:t>// If everything is not set, just wait.</a:t>
+                  <a:srgbClr val="CC7832"/>
+                </a:solidFill>
+                <a:latin typeface="Lucida Console" panose="020B0609040504020204" pitchFamily="49" charset="0"/>
+              </a:rPr>
+              <a:t>int </a:t>
+            </a:r>
+            <a:r>
+              <a:rPr lang="en-US" altLang="en-US" sz="1600" dirty="0" err="1">
+                <a:solidFill>
+                  <a:srgbClr val="19A7D6"/>
+                </a:solidFill>
+                <a:latin typeface="Lucida Console" panose="020B0609040504020204" pitchFamily="49" charset="0"/>
+              </a:rPr>
+              <a:t>i</a:t>
+            </a:r>
+            <a:r>
+              <a:rPr lang="en-US" altLang="en-US" sz="1600" dirty="0">
+                <a:solidFill>
+                  <a:srgbClr val="19A7D6"/>
+                </a:solidFill>
+                <a:latin typeface="Lucida Console" panose="020B0609040504020204" pitchFamily="49" charset="0"/>
+              </a:rPr>
+              <a:t> = </a:t>
+            </a:r>
+            <a:r>
+              <a:rPr lang="en-US" altLang="en-US" sz="1600" dirty="0">
+                <a:solidFill>
+                  <a:srgbClr val="6897BB"/>
+                </a:solidFill>
+                <a:latin typeface="Lucida Console" panose="020B0609040504020204" pitchFamily="49" charset="0"/>
+              </a:rPr>
+              <a:t>0</a:t>
+            </a:r>
+            <a:r>
+              <a:rPr lang="en-US" altLang="en-US" sz="1600" dirty="0">
+                <a:solidFill>
+                  <a:srgbClr val="CC7832"/>
+                </a:solidFill>
+                <a:latin typeface="Lucida Console" panose="020B0609040504020204" pitchFamily="49" charset="0"/>
+              </a:rPr>
+              <a:t>;</a:t>
             </a:r>
             <a:br>
               <a:rPr lang="en-US" altLang="en-US" sz="1600" dirty="0">
                 <a:solidFill>
-                  <a:srgbClr val="808080"/>
+                  <a:srgbClr val="CC7832"/>
                 </a:solidFill>
                 <a:latin typeface="Lucida Console" panose="020B0609040504020204" pitchFamily="49" charset="0"/>
               </a:rPr>
@@ -4906,29 +5082,55 @@
             <a:r>
               <a:rPr lang="en-US" altLang="en-US" sz="1600" dirty="0">
                 <a:solidFill>
-                  <a:srgbClr val="808080"/>
-                </a:solidFill>
-                <a:latin typeface="Lucida Console" panose="020B0609040504020204" pitchFamily="49" charset="0"/>
-              </a:rPr>
-              <a:t>        </a:t>
-            </a:r>
-            <a:r>
-              <a:rPr lang="en-US" altLang="en-US" sz="1600" dirty="0">
-                <a:solidFill>
-                  <a:srgbClr val="CC7832"/>
-                </a:solidFill>
-                <a:latin typeface="Lucida Console" panose="020B0609040504020204" pitchFamily="49" charset="0"/>
-              </a:rPr>
-              <a:t>while </a:t>
-            </a:r>
-            <a:r>
-              <a:rPr lang="en-US" altLang="en-US" sz="1600" dirty="0">
-                <a:solidFill>
-                  <a:srgbClr val="19A7D6"/>
-                </a:solidFill>
-                <a:latin typeface="Lucida Console" panose="020B0609040504020204" pitchFamily="49" charset="0"/>
-              </a:rPr>
-              <a:t>(!</a:t>
+                  <a:srgbClr val="CC7832"/>
+                </a:solidFill>
+                <a:latin typeface="Lucida Console" panose="020B0609040504020204" pitchFamily="49" charset="0"/>
+              </a:rPr>
+              <a:t>        while </a:t>
+            </a:r>
+            <a:r>
+              <a:rPr lang="en-US" altLang="en-US" sz="1600" dirty="0">
+                <a:solidFill>
+                  <a:srgbClr val="19A7D6"/>
+                </a:solidFill>
+                <a:latin typeface="Lucida Console" panose="020B0609040504020204" pitchFamily="49" charset="0"/>
+              </a:rPr>
+              <a:t>(</a:t>
+            </a:r>
+            <a:r>
+              <a:rPr lang="en-US" altLang="en-US" sz="1600" dirty="0">
+                <a:solidFill>
+                  <a:srgbClr val="CC7832"/>
+                </a:solidFill>
+                <a:latin typeface="Lucida Console" panose="020B0609040504020204" pitchFamily="49" charset="0"/>
+              </a:rPr>
+              <a:t>true</a:t>
+            </a:r>
+            <a:r>
+              <a:rPr lang="en-US" altLang="en-US" sz="1600" dirty="0">
+                <a:solidFill>
+                  <a:srgbClr val="19A7D6"/>
+                </a:solidFill>
+                <a:latin typeface="Lucida Console" panose="020B0609040504020204" pitchFamily="49" charset="0"/>
+              </a:rPr>
+              <a:t>) {</a:t>
+            </a:r>
+            <a:br>
+              <a:rPr lang="en-US" altLang="en-US" sz="1600" dirty="0">
+                <a:solidFill>
+                  <a:srgbClr val="19A7D6"/>
+                </a:solidFill>
+                <a:latin typeface="Lucida Console" panose="020B0609040504020204" pitchFamily="49" charset="0"/>
+              </a:rPr>
+            </a:br>
+            <a:r>
+              <a:rPr lang="en-US" altLang="en-US" sz="1600" dirty="0">
+                <a:solidFill>
+                  <a:srgbClr val="19A7D6"/>
+                </a:solidFill>
+                <a:latin typeface="Lucida Console" panose="020B0609040504020204" pitchFamily="49" charset="0"/>
+              </a:rPr>
+              <a:t>            </a:t>
             </a:r>
             <a:r>
               <a:rPr lang="en-US" altLang="en-US" sz="1600" dirty="0" err="1">
@@ -4937,21 +5139,57 @@
                 </a:solidFill>
                 <a:latin typeface="Lucida Console" panose="020B0609040504020204" pitchFamily="49" charset="0"/>
               </a:rPr>
-              <a:t>valueSet</a:t>
-            </a:r>
-            <a:r>
-              <a:rPr lang="en-US" altLang="en-US" sz="1600" dirty="0">
-                <a:solidFill>
-                  <a:srgbClr val="19A7D6"/>
-                </a:solidFill>
-                <a:latin typeface="Lucida Console" panose="020B0609040504020204" pitchFamily="49" charset="0"/>
-              </a:rPr>
-              <a:t>) {</a:t>
+              <a:t>q</a:t>
+            </a:r>
+            <a:r>
+              <a:rPr lang="en-US" altLang="en-US" sz="1600" dirty="0" err="1">
+                <a:solidFill>
+                  <a:srgbClr val="19A7D6"/>
+                </a:solidFill>
+                <a:latin typeface="Lucida Console" panose="020B0609040504020204" pitchFamily="49" charset="0"/>
+              </a:rPr>
+              <a:t>.put</a:t>
+            </a:r>
+            <a:r>
+              <a:rPr lang="en-US" altLang="en-US" sz="1600" dirty="0">
+                <a:solidFill>
+                  <a:srgbClr val="19A7D6"/>
+                </a:solidFill>
+                <a:latin typeface="Lucida Console" panose="020B0609040504020204" pitchFamily="49" charset="0"/>
+              </a:rPr>
+              <a:t> (</a:t>
+            </a:r>
+            <a:r>
+              <a:rPr lang="en-US" altLang="en-US" sz="1600" dirty="0" err="1">
+                <a:solidFill>
+                  <a:srgbClr val="19A7D6"/>
+                </a:solidFill>
+                <a:latin typeface="Lucida Console" panose="020B0609040504020204" pitchFamily="49" charset="0"/>
+              </a:rPr>
+              <a:t>i</a:t>
+            </a:r>
+            <a:r>
+              <a:rPr lang="en-US" altLang="en-US" sz="1600" dirty="0">
+                <a:solidFill>
+                  <a:srgbClr val="19A7D6"/>
+                </a:solidFill>
+                <a:latin typeface="Lucida Console" panose="020B0609040504020204" pitchFamily="49" charset="0"/>
+              </a:rPr>
+              <a:t>++)</a:t>
+            </a:r>
+            <a:r>
+              <a:rPr lang="en-US" altLang="en-US" sz="1600" dirty="0">
+                <a:solidFill>
+                  <a:srgbClr val="CC7832"/>
+                </a:solidFill>
+                <a:latin typeface="Lucida Console" panose="020B0609040504020204" pitchFamily="49" charset="0"/>
+              </a:rPr>
+              <a:t>;</a:t>
             </a:r>
             <a:br>
               <a:rPr lang="en-US" altLang="en-US" sz="1600" dirty="0">
                 <a:solidFill>
-                  <a:srgbClr val="19A7D6"/>
+                  <a:srgbClr val="CC7832"/>
                 </a:solidFill>
                 <a:latin typeface="Lucida Console" panose="020B0609040504020204" pitchFamily="49" charset="0"/>
               </a:rPr>
@@ -4959,29 +5197,83 @@
             <a:r>
               <a:rPr lang="en-US" altLang="en-US" sz="1600" dirty="0">
                 <a:solidFill>
-                  <a:srgbClr val="19A7D6"/>
-                </a:solidFill>
-                <a:latin typeface="Lucida Console" panose="020B0609040504020204" pitchFamily="49" charset="0"/>
-              </a:rPr>
-              <a:t>            </a:t>
-            </a:r>
-            <a:r>
-              <a:rPr lang="en-US" altLang="en-US" sz="1600" dirty="0">
-                <a:solidFill>
-                  <a:srgbClr val="CC7832"/>
-                </a:solidFill>
-                <a:latin typeface="Lucida Console" panose="020B0609040504020204" pitchFamily="49" charset="0"/>
-              </a:rPr>
-              <a:t>try </a:t>
-            </a:r>
-            <a:r>
-              <a:rPr lang="en-US" altLang="en-US" sz="1600" dirty="0">
-                <a:solidFill>
-                  <a:srgbClr val="19A7D6"/>
-                </a:solidFill>
-                <a:latin typeface="Lucida Console" panose="020B0609040504020204" pitchFamily="49" charset="0"/>
-              </a:rPr>
-              <a:t>{ wait()</a:t>
+                  <a:srgbClr val="CC7832"/>
+                </a:solidFill>
+                <a:latin typeface="Lucida Console" panose="020B0609040504020204" pitchFamily="49" charset="0"/>
+              </a:rPr>
+              <a:t>            try </a:t>
+            </a:r>
+            <a:r>
+              <a:rPr lang="en-US" altLang="en-US" sz="1600" dirty="0">
+                <a:solidFill>
+                  <a:srgbClr val="19A7D6"/>
+                </a:solidFill>
+                <a:latin typeface="Lucida Console" panose="020B0609040504020204" pitchFamily="49" charset="0"/>
+              </a:rPr>
+              <a:t>{ </a:t>
+            </a:r>
+            <a:r>
+              <a:rPr lang="en-US" altLang="en-US" sz="1600" dirty="0" err="1">
+                <a:solidFill>
+                  <a:srgbClr val="A9B7C6"/>
+                </a:solidFill>
+                <a:latin typeface="Lucida Console" panose="020B0609040504020204" pitchFamily="49" charset="0"/>
+              </a:rPr>
+              <a:t>Thread</a:t>
+            </a:r>
+            <a:r>
+              <a:rPr lang="en-US" altLang="en-US" sz="1600" dirty="0" err="1">
+                <a:solidFill>
+                  <a:srgbClr val="19A7D6"/>
+                </a:solidFill>
+                <a:latin typeface="Lucida Console" panose="020B0609040504020204" pitchFamily="49" charset="0"/>
+              </a:rPr>
+              <a:t>.</a:t>
+            </a:r>
+            <a:r>
+              <a:rPr lang="en-US" altLang="en-US" sz="1600" i="1" dirty="0" err="1">
+                <a:solidFill>
+                  <a:srgbClr val="19A7D6"/>
+                </a:solidFill>
+                <a:latin typeface="Lucida Console" panose="020B0609040504020204" pitchFamily="49" charset="0"/>
+              </a:rPr>
+              <a:t>sleep</a:t>
+            </a:r>
+            <a:r>
+              <a:rPr lang="en-US" altLang="en-US" sz="1600" i="1" dirty="0">
+                <a:solidFill>
+                  <a:srgbClr val="19A7D6"/>
+                </a:solidFill>
+                <a:latin typeface="Lucida Console" panose="020B0609040504020204" pitchFamily="49" charset="0"/>
+              </a:rPr>
+              <a:t> </a:t>
+            </a:r>
+            <a:r>
+              <a:rPr lang="en-US" altLang="en-US" sz="1600" dirty="0">
+                <a:solidFill>
+                  <a:srgbClr val="19A7D6"/>
+                </a:solidFill>
+                <a:latin typeface="Lucida Console" panose="020B0609040504020204" pitchFamily="49" charset="0"/>
+              </a:rPr>
+              <a:t>(</a:t>
+            </a:r>
+            <a:r>
+              <a:rPr lang="en-US" altLang="en-US" sz="1600" dirty="0">
+                <a:solidFill>
+                  <a:srgbClr val="6897BB"/>
+                </a:solidFill>
+                <a:latin typeface="Lucida Console" panose="020B0609040504020204" pitchFamily="49" charset="0"/>
+              </a:rPr>
+              <a:t>1000</a:t>
+            </a:r>
+            <a:r>
+              <a:rPr lang="en-US" altLang="en-US" sz="1600" dirty="0">
+                <a:solidFill>
+                  <a:srgbClr val="19A7D6"/>
+                </a:solidFill>
+                <a:latin typeface="Lucida Console" panose="020B0609040504020204" pitchFamily="49" charset="0"/>
+              </a:rPr>
+              <a:t>)</a:t>
             </a:r>
             <a:r>
               <a:rPr lang="en-US" altLang="en-US" sz="1600" dirty="0">
@@ -5054,37 +5346,10 @@
               </a:rPr>
               <a:t>        }</a:t>
             </a:r>
-            <a:r>
-              <a:rPr lang="en-US" altLang="en-US" sz="1600" dirty="0">
-                <a:solidFill>
-                  <a:srgbClr val="808080"/>
-                </a:solidFill>
-                <a:latin typeface="Lucida Console" panose="020B0609040504020204" pitchFamily="49" charset="0"/>
-              </a:rPr>
-              <a:t>// </a:t>
-            </a:r>
-            <a:r>
-              <a:rPr lang="en-US" altLang="en-US" sz="1600" dirty="0" err="1">
-                <a:solidFill>
-                  <a:srgbClr val="808080"/>
-                </a:solidFill>
-                <a:latin typeface="Lucida Console" panose="020B0609040504020204" pitchFamily="49" charset="0"/>
-              </a:rPr>
-              <a:t>otherwsie</a:t>
-            </a:r>
-            <a:r>
-              <a:rPr lang="en-US" altLang="en-US" sz="1600" dirty="0">
-                <a:solidFill>
-                  <a:srgbClr val="808080"/>
-                </a:solidFill>
-                <a:latin typeface="Lucida Console" panose="020B0609040504020204" pitchFamily="49" charset="0"/>
-              </a:rPr>
-              <a:t>, we will print the message</a:t>
-            </a:r>
             <a:br>
               <a:rPr lang="en-US" altLang="en-US" sz="1600" dirty="0">
                 <a:solidFill>
-                  <a:srgbClr val="808080"/>
+                  <a:srgbClr val="19A7D6"/>
                 </a:solidFill>
                 <a:latin typeface="Lucida Console" panose="020B0609040504020204" pitchFamily="49" charset="0"/>
               </a:rPr>
@@ -5092,106 +5357,16 @@
             <a:r>
               <a:rPr lang="en-US" altLang="en-US" sz="1600" dirty="0">
                 <a:solidFill>
-                  <a:srgbClr val="808080"/>
-                </a:solidFill>
-                <a:latin typeface="Lucida Console" panose="020B0609040504020204" pitchFamily="49" charset="0"/>
-              </a:rPr>
-              <a:t>        </a:t>
-            </a:r>
-            <a:r>
-              <a:rPr lang="en-US" altLang="en-US" sz="1600" dirty="0" err="1">
-                <a:solidFill>
-                  <a:srgbClr val="A9B7C6"/>
-                </a:solidFill>
-                <a:latin typeface="Lucida Console" panose="020B0609040504020204" pitchFamily="49" charset="0"/>
-              </a:rPr>
-              <a:t>System</a:t>
-            </a:r>
-            <a:r>
-              <a:rPr lang="en-US" altLang="en-US" sz="1600" dirty="0" err="1">
-                <a:solidFill>
-                  <a:srgbClr val="19A7D6"/>
-                </a:solidFill>
-                <a:latin typeface="Lucida Console" panose="020B0609040504020204" pitchFamily="49" charset="0"/>
-              </a:rPr>
-              <a:t>.</a:t>
-            </a:r>
-            <a:r>
-              <a:rPr lang="en-US" altLang="en-US" sz="1600" i="1" dirty="0" err="1">
-                <a:solidFill>
-                  <a:srgbClr val="9876AA"/>
-                </a:solidFill>
-                <a:latin typeface="Lucida Console" panose="020B0609040504020204" pitchFamily="49" charset="0"/>
-              </a:rPr>
-              <a:t>out</a:t>
-            </a:r>
-            <a:r>
-              <a:rPr lang="en-US" altLang="en-US" sz="1600" dirty="0" err="1">
-                <a:solidFill>
-                  <a:srgbClr val="19A7D6"/>
-                </a:solidFill>
-                <a:latin typeface="Lucida Console" panose="020B0609040504020204" pitchFamily="49" charset="0"/>
-              </a:rPr>
-              <a:t>.println</a:t>
-            </a:r>
-            <a:r>
-              <a:rPr lang="en-US" altLang="en-US" sz="1600" dirty="0">
-                <a:solidFill>
-                  <a:srgbClr val="19A7D6"/>
-                </a:solidFill>
-                <a:latin typeface="Lucida Console" panose="020B0609040504020204" pitchFamily="49" charset="0"/>
-              </a:rPr>
-              <a:t> (</a:t>
-            </a:r>
-            <a:r>
-              <a:rPr lang="en-US" altLang="en-US" sz="1600" dirty="0">
-                <a:solidFill>
-                  <a:srgbClr val="6A8759"/>
-                </a:solidFill>
-                <a:latin typeface="Lucida Console" panose="020B0609040504020204" pitchFamily="49" charset="0"/>
-              </a:rPr>
-              <a:t>"Get: " </a:t>
-            </a:r>
-            <a:r>
-              <a:rPr lang="en-US" altLang="en-US" sz="1600" dirty="0">
-                <a:solidFill>
-                  <a:srgbClr val="19A7D6"/>
-                </a:solidFill>
-                <a:latin typeface="Lucida Console" panose="020B0609040504020204" pitchFamily="49" charset="0"/>
-              </a:rPr>
-              <a:t>+ </a:t>
-            </a:r>
-            <a:r>
-              <a:rPr lang="en-US" altLang="en-US" sz="1600" dirty="0">
-                <a:solidFill>
-                  <a:srgbClr val="9876AA"/>
-                </a:solidFill>
-                <a:latin typeface="Lucida Console" panose="020B0609040504020204" pitchFamily="49" charset="0"/>
-              </a:rPr>
-              <a:t>num</a:t>
-            </a:r>
-            <a:r>
-              <a:rPr lang="en-US" altLang="en-US" sz="1600" dirty="0">
-                <a:solidFill>
-                  <a:srgbClr val="19A7D6"/>
-                </a:solidFill>
-                <a:latin typeface="Lucida Console" panose="020B0609040504020204" pitchFamily="49" charset="0"/>
-              </a:rPr>
-              <a:t>)</a:t>
-            </a:r>
-            <a:r>
-              <a:rPr lang="en-US" altLang="en-US" sz="1600" dirty="0">
-                <a:solidFill>
-                  <a:srgbClr val="CC7832"/>
-                </a:solidFill>
-                <a:latin typeface="Lucida Console" panose="020B0609040504020204" pitchFamily="49" charset="0"/>
-              </a:rPr>
-              <a:t>;</a:t>
+                  <a:srgbClr val="19A7D6"/>
+                </a:solidFill>
+                <a:latin typeface="Lucida Console" panose="020B0609040504020204" pitchFamily="49" charset="0"/>
+              </a:rPr>
+              <a:t>    }</a:t>
             </a:r>
             <a:br>
               <a:rPr lang="en-US" altLang="en-US" sz="1600" dirty="0">
                 <a:solidFill>
-                  <a:srgbClr val="CC7832"/>
+                  <a:srgbClr val="19A7D6"/>
                 </a:solidFill>
                 <a:latin typeface="Lucida Console" panose="020B0609040504020204" pitchFamily="49" charset="0"/>
               </a:rPr>
@@ -5199,187 +5374,12 @@
             <a:r>
               <a:rPr lang="en-US" altLang="en-US" sz="1600" dirty="0">
                 <a:solidFill>
-                  <a:srgbClr val="CC7832"/>
-                </a:solidFill>
-                <a:latin typeface="Lucida Console" panose="020B0609040504020204" pitchFamily="49" charset="0"/>
-              </a:rPr>
-              <a:t>        </a:t>
-            </a:r>
-            <a:r>
-              <a:rPr lang="en-US" altLang="en-US" sz="1600" dirty="0">
-                <a:solidFill>
-                  <a:srgbClr val="808080"/>
-                </a:solidFill>
-                <a:latin typeface="Lucida Console" panose="020B0609040504020204" pitchFamily="49" charset="0"/>
-              </a:rPr>
-              <a:t>// Set the flag to false after read and notify others.</a:t>
-            </a:r>
-            <a:br>
-              <a:rPr lang="en-US" altLang="en-US" sz="1600" dirty="0">
-                <a:solidFill>
-                  <a:srgbClr val="808080"/>
-                </a:solidFill>
-                <a:latin typeface="Lucida Console" panose="020B0609040504020204" pitchFamily="49" charset="0"/>
-              </a:rPr>
-            </a:br>
-            <a:r>
-              <a:rPr lang="en-US" altLang="en-US" sz="1600" dirty="0">
-                <a:solidFill>
-                  <a:srgbClr val="808080"/>
-                </a:solidFill>
-                <a:latin typeface="Lucida Console" panose="020B0609040504020204" pitchFamily="49" charset="0"/>
-              </a:rPr>
-              <a:t>        </a:t>
-            </a:r>
-            <a:r>
-              <a:rPr lang="en-US" altLang="en-US" sz="1600" dirty="0" err="1">
-                <a:solidFill>
-                  <a:srgbClr val="9876AA"/>
-                </a:solidFill>
-                <a:latin typeface="Lucida Console" panose="020B0609040504020204" pitchFamily="49" charset="0"/>
-              </a:rPr>
-              <a:t>valueSet</a:t>
-            </a:r>
-            <a:r>
-              <a:rPr lang="en-US" altLang="en-US" sz="1600" dirty="0">
-                <a:solidFill>
-                  <a:srgbClr val="9876AA"/>
-                </a:solidFill>
-                <a:latin typeface="Lucida Console" panose="020B0609040504020204" pitchFamily="49" charset="0"/>
-              </a:rPr>
-              <a:t> </a:t>
-            </a:r>
-            <a:r>
-              <a:rPr lang="en-US" altLang="en-US" sz="1600" dirty="0">
-                <a:solidFill>
-                  <a:srgbClr val="19A7D6"/>
-                </a:solidFill>
-                <a:latin typeface="Lucida Console" panose="020B0609040504020204" pitchFamily="49" charset="0"/>
-              </a:rPr>
-              <a:t>= </a:t>
-            </a:r>
-            <a:r>
-              <a:rPr lang="en-US" altLang="en-US" sz="1600" dirty="0">
-                <a:solidFill>
-                  <a:srgbClr val="CC7832"/>
-                </a:solidFill>
-                <a:latin typeface="Lucida Console" panose="020B0609040504020204" pitchFamily="49" charset="0"/>
-              </a:rPr>
-              <a:t>false;</a:t>
-            </a:r>
-            <a:br>
-              <a:rPr lang="en-US" altLang="en-US" sz="1600" dirty="0">
-                <a:solidFill>
-                  <a:srgbClr val="CC7832"/>
-                </a:solidFill>
-                <a:latin typeface="Lucida Console" panose="020B0609040504020204" pitchFamily="49" charset="0"/>
-              </a:rPr>
-            </a:br>
-            <a:r>
-              <a:rPr lang="en-US" altLang="en-US" sz="1600" dirty="0">
-                <a:solidFill>
-                  <a:srgbClr val="CC7832"/>
-                </a:solidFill>
-                <a:latin typeface="Lucida Console" panose="020B0609040504020204" pitchFamily="49" charset="0"/>
-              </a:rPr>
-              <a:t>        </a:t>
-            </a:r>
-            <a:r>
-              <a:rPr lang="en-US" altLang="en-US" sz="1600" dirty="0">
-                <a:solidFill>
-                  <a:srgbClr val="19A7D6"/>
-                </a:solidFill>
-                <a:latin typeface="Lucida Console" panose="020B0609040504020204" pitchFamily="49" charset="0"/>
-              </a:rPr>
-              <a:t>notify()</a:t>
-            </a:r>
-            <a:r>
-              <a:rPr lang="en-US" altLang="en-US" sz="1600" dirty="0">
-                <a:solidFill>
-                  <a:srgbClr val="CC7832"/>
-                </a:solidFill>
-                <a:latin typeface="Lucida Console" panose="020B0609040504020204" pitchFamily="49" charset="0"/>
-              </a:rPr>
-              <a:t>; </a:t>
-            </a:r>
-            <a:r>
-              <a:rPr lang="en-US" altLang="en-US" sz="1600" dirty="0">
-                <a:solidFill>
-                  <a:srgbClr val="808080"/>
-                </a:solidFill>
-                <a:latin typeface="Lucida Console" panose="020B0609040504020204" pitchFamily="49" charset="0"/>
-              </a:rPr>
-              <a:t>// This notify </a:t>
-            </a:r>
-            <a:r>
-              <a:rPr lang="en-US" altLang="en-US" sz="1600" dirty="0" err="1">
-                <a:solidFill>
-                  <a:srgbClr val="808080"/>
-                </a:solidFill>
-                <a:latin typeface="Lucida Console" panose="020B0609040504020204" pitchFamily="49" charset="0"/>
-              </a:rPr>
-              <a:t>notify</a:t>
-            </a:r>
-            <a:r>
-              <a:rPr lang="en-US" altLang="en-US" sz="1600" dirty="0">
-                <a:solidFill>
-                  <a:srgbClr val="808080"/>
-                </a:solidFill>
-                <a:latin typeface="Lucida Console" panose="020B0609040504020204" pitchFamily="49" charset="0"/>
-              </a:rPr>
-              <a:t> producer</a:t>
-            </a:r>
-            <a:br>
-              <a:rPr lang="en-US" altLang="en-US" sz="1600" dirty="0">
-                <a:solidFill>
-                  <a:srgbClr val="808080"/>
-                </a:solidFill>
-                <a:latin typeface="Lucida Console" panose="020B0609040504020204" pitchFamily="49" charset="0"/>
-              </a:rPr>
-            </a:br>
-            <a:r>
-              <a:rPr lang="en-US" altLang="en-US" sz="1600" dirty="0">
-                <a:solidFill>
-                  <a:srgbClr val="808080"/>
-                </a:solidFill>
-                <a:latin typeface="Lucida Console" panose="020B0609040504020204" pitchFamily="49" charset="0"/>
-              </a:rPr>
-              <a:t>    </a:t>
-            </a:r>
-            <a:r>
-              <a:rPr lang="en-US" altLang="en-US" sz="1600" dirty="0">
-                <a:solidFill>
                   <a:srgbClr val="19A7D6"/>
                 </a:solidFill>
                 <a:latin typeface="Lucida Console" panose="020B0609040504020204" pitchFamily="49" charset="0"/>
               </a:rPr>
               <a:t>}</a:t>
             </a:r>
-            <a:br>
-              <a:rPr lang="en-US" altLang="en-US" sz="1600" dirty="0">
-                <a:solidFill>
-                  <a:srgbClr val="19A7D6"/>
-                </a:solidFill>
-                <a:latin typeface="Lucida Console" panose="020B0609040504020204" pitchFamily="49" charset="0"/>
-              </a:rPr>
-            </a:br>
-            <a:r>
-              <a:rPr lang="en-US" altLang="en-US" sz="1600" dirty="0">
-                <a:solidFill>
-                  <a:srgbClr val="19A7D6"/>
-                </a:solidFill>
-                <a:latin typeface="Lucida Console" panose="020B0609040504020204" pitchFamily="49" charset="0"/>
-              </a:rPr>
-              <a:t>}</a:t>
-            </a:r>
-            <a:br>
-              <a:rPr lang="en-US" altLang="en-US" sz="1600" dirty="0">
-                <a:solidFill>
-                  <a:srgbClr val="19A7D6"/>
-                </a:solidFill>
-                <a:latin typeface="Lucida Console" panose="020B0609040504020204" pitchFamily="49" charset="0"/>
-              </a:rPr>
-            </a:br>
             <a:endParaRPr lang="en-US" altLang="en-US" sz="1600" dirty="0">
               <a:solidFill>
                 <a:schemeClr val="tx1"/>
@@ -5519,7 +5519,7 @@
     </p:spTree>
     <p:extLst>
       <p:ext uri="{BB962C8B-B14F-4D97-AF65-F5344CB8AC3E}">
-        <p14:creationId xmlns:p14="http://schemas.microsoft.com/office/powerpoint/2010/main" val="2450794174"/>
+        <p14:creationId xmlns:p14="http://schemas.microsoft.com/office/powerpoint/2010/main" val="1338331188"/>
       </p:ext>
     </p:extLst>
   </p:cSld>
@@ -7005,22 +7005,6 @@
               </a:rPr>
               <a:t>;</a:t>
             </a:r>
-            <a:br>
-              <a:rPr lang="en-US" altLang="en-US" sz="1600" dirty="0">
-                <a:solidFill>
-                  <a:srgbClr val="CC7832"/>
-                </a:solidFill>
-                <a:latin typeface="Lucida Console" panose="020B0609040504020204" pitchFamily="49" charset="0"/>
-              </a:rPr>
-            </a:br>
-            <a:br>
-              <a:rPr lang="en-US" altLang="en-US" sz="1600" dirty="0">
-                <a:solidFill>
-                  <a:srgbClr val="CC7832"/>
-                </a:solidFill>
-                <a:latin typeface="Lucida Console" panose="020B0609040504020204" pitchFamily="49" charset="0"/>
-              </a:rPr>
-            </a:br>
             <a:br>
               <a:rPr lang="en-US" altLang="en-US" sz="1600" dirty="0">
                 <a:solidFill>
